--- a/Document/Programmieren Grundlagen 2.pptx
+++ b/Document/Programmieren Grundlagen 2.pptx
@@ -5,7 +5,7 @@
     <p:sldMasterId id="2147483840" r:id="rId1"/>
   </p:sldMasterIdLst>
   <p:notesMasterIdLst>
-    <p:notesMasterId r:id="rId16"/>
+    <p:notesMasterId r:id="rId24"/>
   </p:notesMasterIdLst>
   <p:sldIdLst>
     <p:sldId id="256" r:id="rId2"/>
@@ -22,6 +22,14 @@
     <p:sldId id="268" r:id="rId13"/>
     <p:sldId id="269" r:id="rId14"/>
     <p:sldId id="270" r:id="rId15"/>
+    <p:sldId id="271" r:id="rId16"/>
+    <p:sldId id="272" r:id="rId17"/>
+    <p:sldId id="273" r:id="rId18"/>
+    <p:sldId id="274" r:id="rId19"/>
+    <p:sldId id="275" r:id="rId20"/>
+    <p:sldId id="276" r:id="rId21"/>
+    <p:sldId id="277" r:id="rId22"/>
+    <p:sldId id="278" r:id="rId23"/>
   </p:sldIdLst>
   <p:sldSz cx="12192000" cy="6858000"/>
   <p:notesSz cx="6858000" cy="9144000"/>
@@ -122,7 +130,7 @@
   </p:defaultTextStyle>
   <p:extLst>
     <p:ext uri="{EFAFB233-063F-42B5-8137-9DF3F51BA10A}">
-      <p15:sldGuideLst xmlns:p15="http://schemas.microsoft.com/office/powerpoint/2012/main"/>
+      <p15:sldGuideLst xmlns:p15="http://schemas.microsoft.com/office/powerpoint/2012/main" xmlns=""/>
     </p:ext>
   </p:extLst>
 </p:presentation>
@@ -210,7 +218,7 @@
           <a:p>
             <a:fld id="{54839018-0526-4838-8946-0B2C3533700A}" type="datetimeFigureOut">
               <a:rPr lang="en-US" smtClean="0"/>
-              <a:t>6/19/2018</a:t>
+              <a:t>6/25/2018</a:t>
             </a:fld>
             <a:endParaRPr lang="en-US"/>
           </a:p>
@@ -730,6 +738,678 @@
 </p:notes>
 </file>
 
+<file path=ppt/notesSlides/notesSlide12.xml><?xml version="1.0" encoding="utf-8"?>
+<p:notes xmlns:a="http://schemas.openxmlformats.org/drawingml/2006/main" xmlns:r="http://schemas.openxmlformats.org/officeDocument/2006/relationships" xmlns:p="http://schemas.openxmlformats.org/presentationml/2006/main">
+  <p:cSld>
+    <p:spTree>
+      <p:nvGrpSpPr>
+        <p:cNvPr id="1" name=""/>
+        <p:cNvGrpSpPr/>
+        <p:nvPr/>
+      </p:nvGrpSpPr>
+      <p:grpSpPr>
+        <a:xfrm>
+          <a:off x="0" y="0"/>
+          <a:ext cx="0" cy="0"/>
+          <a:chOff x="0" y="0"/>
+          <a:chExt cx="0" cy="0"/>
+        </a:xfrm>
+      </p:grpSpPr>
+      <p:sp>
+        <p:nvSpPr>
+          <p:cNvPr id="2" name="Folienbildplatzhalter 1"/>
+          <p:cNvSpPr>
+            <a:spLocks noGrp="1" noRot="1" noChangeAspect="1"/>
+          </p:cNvSpPr>
+          <p:nvPr>
+            <p:ph type="sldImg"/>
+          </p:nvPr>
+        </p:nvSpPr>
+        <p:spPr/>
+      </p:sp>
+      <p:sp>
+        <p:nvSpPr>
+          <p:cNvPr id="3" name="Notizenplatzhalter 2"/>
+          <p:cNvSpPr>
+            <a:spLocks noGrp="1"/>
+          </p:cNvSpPr>
+          <p:nvPr>
+            <p:ph type="body" idx="1"/>
+          </p:nvPr>
+        </p:nvSpPr>
+        <p:spPr/>
+        <p:txBody>
+          <a:bodyPr/>
+          <a:lstStyle/>
+          <a:p>
+            <a:endParaRPr lang="en-US" dirty="0" smtClean="0"/>
+          </a:p>
+        </p:txBody>
+      </p:sp>
+      <p:sp>
+        <p:nvSpPr>
+          <p:cNvPr id="4" name="Foliennummernplatzhalter 3"/>
+          <p:cNvSpPr>
+            <a:spLocks noGrp="1"/>
+          </p:cNvSpPr>
+          <p:nvPr>
+            <p:ph type="sldNum" sz="quarter" idx="10"/>
+          </p:nvPr>
+        </p:nvSpPr>
+        <p:spPr/>
+        <p:txBody>
+          <a:bodyPr/>
+          <a:lstStyle/>
+          <a:p>
+            <a:fld id="{03FB03B6-87F7-4F87-BF64-5F48935FD1D1}" type="slidenum">
+              <a:rPr lang="en-US" smtClean="0"/>
+              <a:t>15</a:t>
+            </a:fld>
+            <a:endParaRPr lang="en-US"/>
+          </a:p>
+        </p:txBody>
+      </p:sp>
+    </p:spTree>
+    <p:extLst>
+      <p:ext uri="{BB962C8B-B14F-4D97-AF65-F5344CB8AC3E}">
+        <p14:creationId xmlns:p14="http://schemas.microsoft.com/office/powerpoint/2010/main" val="1977604019"/>
+      </p:ext>
+    </p:extLst>
+  </p:cSld>
+  <p:clrMapOvr>
+    <a:masterClrMapping/>
+  </p:clrMapOvr>
+</p:notes>
+</file>
+
+<file path=ppt/notesSlides/notesSlide13.xml><?xml version="1.0" encoding="utf-8"?>
+<p:notes xmlns:a="http://schemas.openxmlformats.org/drawingml/2006/main" xmlns:r="http://schemas.openxmlformats.org/officeDocument/2006/relationships" xmlns:p="http://schemas.openxmlformats.org/presentationml/2006/main">
+  <p:cSld>
+    <p:spTree>
+      <p:nvGrpSpPr>
+        <p:cNvPr id="1" name=""/>
+        <p:cNvGrpSpPr/>
+        <p:nvPr/>
+      </p:nvGrpSpPr>
+      <p:grpSpPr>
+        <a:xfrm>
+          <a:off x="0" y="0"/>
+          <a:ext cx="0" cy="0"/>
+          <a:chOff x="0" y="0"/>
+          <a:chExt cx="0" cy="0"/>
+        </a:xfrm>
+      </p:grpSpPr>
+      <p:sp>
+        <p:nvSpPr>
+          <p:cNvPr id="2" name="Folienbildplatzhalter 1"/>
+          <p:cNvSpPr>
+            <a:spLocks noGrp="1" noRot="1" noChangeAspect="1"/>
+          </p:cNvSpPr>
+          <p:nvPr>
+            <p:ph type="sldImg"/>
+          </p:nvPr>
+        </p:nvSpPr>
+        <p:spPr/>
+      </p:sp>
+      <p:sp>
+        <p:nvSpPr>
+          <p:cNvPr id="3" name="Notizenplatzhalter 2"/>
+          <p:cNvSpPr>
+            <a:spLocks noGrp="1"/>
+          </p:cNvSpPr>
+          <p:nvPr>
+            <p:ph type="body" idx="1"/>
+          </p:nvPr>
+        </p:nvSpPr>
+        <p:spPr/>
+        <p:txBody>
+          <a:bodyPr/>
+          <a:lstStyle/>
+          <a:p>
+            <a:endParaRPr lang="en-US" dirty="0" smtClean="0"/>
+          </a:p>
+        </p:txBody>
+      </p:sp>
+      <p:sp>
+        <p:nvSpPr>
+          <p:cNvPr id="4" name="Foliennummernplatzhalter 3"/>
+          <p:cNvSpPr>
+            <a:spLocks noGrp="1"/>
+          </p:cNvSpPr>
+          <p:nvPr>
+            <p:ph type="sldNum" sz="quarter" idx="10"/>
+          </p:nvPr>
+        </p:nvSpPr>
+        <p:spPr/>
+        <p:txBody>
+          <a:bodyPr/>
+          <a:lstStyle/>
+          <a:p>
+            <a:fld id="{03FB03B6-87F7-4F87-BF64-5F48935FD1D1}" type="slidenum">
+              <a:rPr lang="en-US" smtClean="0"/>
+              <a:t>16</a:t>
+            </a:fld>
+            <a:endParaRPr lang="en-US"/>
+          </a:p>
+        </p:txBody>
+      </p:sp>
+    </p:spTree>
+    <p:extLst>
+      <p:ext uri="{BB962C8B-B14F-4D97-AF65-F5344CB8AC3E}">
+        <p14:creationId xmlns:p14="http://schemas.microsoft.com/office/powerpoint/2010/main" val="1661268175"/>
+      </p:ext>
+    </p:extLst>
+  </p:cSld>
+  <p:clrMapOvr>
+    <a:masterClrMapping/>
+  </p:clrMapOvr>
+</p:notes>
+</file>
+
+<file path=ppt/notesSlides/notesSlide14.xml><?xml version="1.0" encoding="utf-8"?>
+<p:notes xmlns:a="http://schemas.openxmlformats.org/drawingml/2006/main" xmlns:r="http://schemas.openxmlformats.org/officeDocument/2006/relationships" xmlns:p="http://schemas.openxmlformats.org/presentationml/2006/main">
+  <p:cSld>
+    <p:spTree>
+      <p:nvGrpSpPr>
+        <p:cNvPr id="1" name=""/>
+        <p:cNvGrpSpPr/>
+        <p:nvPr/>
+      </p:nvGrpSpPr>
+      <p:grpSpPr>
+        <a:xfrm>
+          <a:off x="0" y="0"/>
+          <a:ext cx="0" cy="0"/>
+          <a:chOff x="0" y="0"/>
+          <a:chExt cx="0" cy="0"/>
+        </a:xfrm>
+      </p:grpSpPr>
+      <p:sp>
+        <p:nvSpPr>
+          <p:cNvPr id="2" name="Folienbildplatzhalter 1"/>
+          <p:cNvSpPr>
+            <a:spLocks noGrp="1" noRot="1" noChangeAspect="1"/>
+          </p:cNvSpPr>
+          <p:nvPr>
+            <p:ph type="sldImg"/>
+          </p:nvPr>
+        </p:nvSpPr>
+        <p:spPr/>
+      </p:sp>
+      <p:sp>
+        <p:nvSpPr>
+          <p:cNvPr id="3" name="Notizenplatzhalter 2"/>
+          <p:cNvSpPr>
+            <a:spLocks noGrp="1"/>
+          </p:cNvSpPr>
+          <p:nvPr>
+            <p:ph type="body" idx="1"/>
+          </p:nvPr>
+        </p:nvSpPr>
+        <p:spPr/>
+        <p:txBody>
+          <a:bodyPr/>
+          <a:lstStyle/>
+          <a:p>
+            <a:endParaRPr lang="en-US" dirty="0" smtClean="0"/>
+          </a:p>
+        </p:txBody>
+      </p:sp>
+      <p:sp>
+        <p:nvSpPr>
+          <p:cNvPr id="4" name="Foliennummernplatzhalter 3"/>
+          <p:cNvSpPr>
+            <a:spLocks noGrp="1"/>
+          </p:cNvSpPr>
+          <p:nvPr>
+            <p:ph type="sldNum" sz="quarter" idx="10"/>
+          </p:nvPr>
+        </p:nvSpPr>
+        <p:spPr/>
+        <p:txBody>
+          <a:bodyPr/>
+          <a:lstStyle/>
+          <a:p>
+            <a:fld id="{03FB03B6-87F7-4F87-BF64-5F48935FD1D1}" type="slidenum">
+              <a:rPr lang="en-US" smtClean="0"/>
+              <a:t>17</a:t>
+            </a:fld>
+            <a:endParaRPr lang="en-US"/>
+          </a:p>
+        </p:txBody>
+      </p:sp>
+    </p:spTree>
+    <p:extLst>
+      <p:ext uri="{BB962C8B-B14F-4D97-AF65-F5344CB8AC3E}">
+        <p14:creationId xmlns:p14="http://schemas.microsoft.com/office/powerpoint/2010/main" val="2795277698"/>
+      </p:ext>
+    </p:extLst>
+  </p:cSld>
+  <p:clrMapOvr>
+    <a:masterClrMapping/>
+  </p:clrMapOvr>
+</p:notes>
+</file>
+
+<file path=ppt/notesSlides/notesSlide15.xml><?xml version="1.0" encoding="utf-8"?>
+<p:notes xmlns:a="http://schemas.openxmlformats.org/drawingml/2006/main" xmlns:r="http://schemas.openxmlformats.org/officeDocument/2006/relationships" xmlns:p="http://schemas.openxmlformats.org/presentationml/2006/main">
+  <p:cSld>
+    <p:spTree>
+      <p:nvGrpSpPr>
+        <p:cNvPr id="1" name=""/>
+        <p:cNvGrpSpPr/>
+        <p:nvPr/>
+      </p:nvGrpSpPr>
+      <p:grpSpPr>
+        <a:xfrm>
+          <a:off x="0" y="0"/>
+          <a:ext cx="0" cy="0"/>
+          <a:chOff x="0" y="0"/>
+          <a:chExt cx="0" cy="0"/>
+        </a:xfrm>
+      </p:grpSpPr>
+      <p:sp>
+        <p:nvSpPr>
+          <p:cNvPr id="2" name="Folienbildplatzhalter 1"/>
+          <p:cNvSpPr>
+            <a:spLocks noGrp="1" noRot="1" noChangeAspect="1"/>
+          </p:cNvSpPr>
+          <p:nvPr>
+            <p:ph type="sldImg"/>
+          </p:nvPr>
+        </p:nvSpPr>
+        <p:spPr/>
+      </p:sp>
+      <p:sp>
+        <p:nvSpPr>
+          <p:cNvPr id="3" name="Notizenplatzhalter 2"/>
+          <p:cNvSpPr>
+            <a:spLocks noGrp="1"/>
+          </p:cNvSpPr>
+          <p:nvPr>
+            <p:ph type="body" idx="1"/>
+          </p:nvPr>
+        </p:nvSpPr>
+        <p:spPr/>
+        <p:txBody>
+          <a:bodyPr/>
+          <a:lstStyle/>
+          <a:p>
+            <a:endParaRPr lang="en-US" dirty="0" smtClean="0"/>
+          </a:p>
+        </p:txBody>
+      </p:sp>
+      <p:sp>
+        <p:nvSpPr>
+          <p:cNvPr id="4" name="Foliennummernplatzhalter 3"/>
+          <p:cNvSpPr>
+            <a:spLocks noGrp="1"/>
+          </p:cNvSpPr>
+          <p:nvPr>
+            <p:ph type="sldNum" sz="quarter" idx="10"/>
+          </p:nvPr>
+        </p:nvSpPr>
+        <p:spPr/>
+        <p:txBody>
+          <a:bodyPr/>
+          <a:lstStyle/>
+          <a:p>
+            <a:fld id="{03FB03B6-87F7-4F87-BF64-5F48935FD1D1}" type="slidenum">
+              <a:rPr lang="en-US" smtClean="0"/>
+              <a:t>18</a:t>
+            </a:fld>
+            <a:endParaRPr lang="en-US"/>
+          </a:p>
+        </p:txBody>
+      </p:sp>
+    </p:spTree>
+    <p:extLst>
+      <p:ext uri="{BB962C8B-B14F-4D97-AF65-F5344CB8AC3E}">
+        <p14:creationId xmlns:p14="http://schemas.microsoft.com/office/powerpoint/2010/main" val="3241773914"/>
+      </p:ext>
+    </p:extLst>
+  </p:cSld>
+  <p:clrMapOvr>
+    <a:masterClrMapping/>
+  </p:clrMapOvr>
+</p:notes>
+</file>
+
+<file path=ppt/notesSlides/notesSlide16.xml><?xml version="1.0" encoding="utf-8"?>
+<p:notes xmlns:a="http://schemas.openxmlformats.org/drawingml/2006/main" xmlns:r="http://schemas.openxmlformats.org/officeDocument/2006/relationships" xmlns:p="http://schemas.openxmlformats.org/presentationml/2006/main">
+  <p:cSld>
+    <p:spTree>
+      <p:nvGrpSpPr>
+        <p:cNvPr id="1" name=""/>
+        <p:cNvGrpSpPr/>
+        <p:nvPr/>
+      </p:nvGrpSpPr>
+      <p:grpSpPr>
+        <a:xfrm>
+          <a:off x="0" y="0"/>
+          <a:ext cx="0" cy="0"/>
+          <a:chOff x="0" y="0"/>
+          <a:chExt cx="0" cy="0"/>
+        </a:xfrm>
+      </p:grpSpPr>
+      <p:sp>
+        <p:nvSpPr>
+          <p:cNvPr id="2" name="Folienbildplatzhalter 1"/>
+          <p:cNvSpPr>
+            <a:spLocks noGrp="1" noRot="1" noChangeAspect="1"/>
+          </p:cNvSpPr>
+          <p:nvPr>
+            <p:ph type="sldImg"/>
+          </p:nvPr>
+        </p:nvSpPr>
+        <p:spPr/>
+      </p:sp>
+      <p:sp>
+        <p:nvSpPr>
+          <p:cNvPr id="3" name="Notizenplatzhalter 2"/>
+          <p:cNvSpPr>
+            <a:spLocks noGrp="1"/>
+          </p:cNvSpPr>
+          <p:nvPr>
+            <p:ph type="body" idx="1"/>
+          </p:nvPr>
+        </p:nvSpPr>
+        <p:spPr/>
+        <p:txBody>
+          <a:bodyPr/>
+          <a:lstStyle/>
+          <a:p>
+            <a:endParaRPr lang="en-US" dirty="0" smtClean="0"/>
+          </a:p>
+        </p:txBody>
+      </p:sp>
+      <p:sp>
+        <p:nvSpPr>
+          <p:cNvPr id="4" name="Foliennummernplatzhalter 3"/>
+          <p:cNvSpPr>
+            <a:spLocks noGrp="1"/>
+          </p:cNvSpPr>
+          <p:nvPr>
+            <p:ph type="sldNum" sz="quarter" idx="10"/>
+          </p:nvPr>
+        </p:nvSpPr>
+        <p:spPr/>
+        <p:txBody>
+          <a:bodyPr/>
+          <a:lstStyle/>
+          <a:p>
+            <a:fld id="{03FB03B6-87F7-4F87-BF64-5F48935FD1D1}" type="slidenum">
+              <a:rPr lang="en-US" smtClean="0"/>
+              <a:t>19</a:t>
+            </a:fld>
+            <a:endParaRPr lang="en-US"/>
+          </a:p>
+        </p:txBody>
+      </p:sp>
+    </p:spTree>
+    <p:extLst>
+      <p:ext uri="{BB962C8B-B14F-4D97-AF65-F5344CB8AC3E}">
+        <p14:creationId xmlns:p14="http://schemas.microsoft.com/office/powerpoint/2010/main" val="4284917921"/>
+      </p:ext>
+    </p:extLst>
+  </p:cSld>
+  <p:clrMapOvr>
+    <a:masterClrMapping/>
+  </p:clrMapOvr>
+</p:notes>
+</file>
+
+<file path=ppt/notesSlides/notesSlide17.xml><?xml version="1.0" encoding="utf-8"?>
+<p:notes xmlns:a="http://schemas.openxmlformats.org/drawingml/2006/main" xmlns:r="http://schemas.openxmlformats.org/officeDocument/2006/relationships" xmlns:p="http://schemas.openxmlformats.org/presentationml/2006/main">
+  <p:cSld>
+    <p:spTree>
+      <p:nvGrpSpPr>
+        <p:cNvPr id="1" name=""/>
+        <p:cNvGrpSpPr/>
+        <p:nvPr/>
+      </p:nvGrpSpPr>
+      <p:grpSpPr>
+        <a:xfrm>
+          <a:off x="0" y="0"/>
+          <a:ext cx="0" cy="0"/>
+          <a:chOff x="0" y="0"/>
+          <a:chExt cx="0" cy="0"/>
+        </a:xfrm>
+      </p:grpSpPr>
+      <p:sp>
+        <p:nvSpPr>
+          <p:cNvPr id="2" name="Folienbildplatzhalter 1"/>
+          <p:cNvSpPr>
+            <a:spLocks noGrp="1" noRot="1" noChangeAspect="1"/>
+          </p:cNvSpPr>
+          <p:nvPr>
+            <p:ph type="sldImg"/>
+          </p:nvPr>
+        </p:nvSpPr>
+        <p:spPr/>
+      </p:sp>
+      <p:sp>
+        <p:nvSpPr>
+          <p:cNvPr id="3" name="Notizenplatzhalter 2"/>
+          <p:cNvSpPr>
+            <a:spLocks noGrp="1"/>
+          </p:cNvSpPr>
+          <p:nvPr>
+            <p:ph type="body" idx="1"/>
+          </p:nvPr>
+        </p:nvSpPr>
+        <p:spPr/>
+        <p:txBody>
+          <a:bodyPr/>
+          <a:lstStyle/>
+          <a:p>
+            <a:endParaRPr lang="en-US" dirty="0" smtClean="0"/>
+          </a:p>
+        </p:txBody>
+      </p:sp>
+      <p:sp>
+        <p:nvSpPr>
+          <p:cNvPr id="4" name="Foliennummernplatzhalter 3"/>
+          <p:cNvSpPr>
+            <a:spLocks noGrp="1"/>
+          </p:cNvSpPr>
+          <p:nvPr>
+            <p:ph type="sldNum" sz="quarter" idx="10"/>
+          </p:nvPr>
+        </p:nvSpPr>
+        <p:spPr/>
+        <p:txBody>
+          <a:bodyPr/>
+          <a:lstStyle/>
+          <a:p>
+            <a:fld id="{03FB03B6-87F7-4F87-BF64-5F48935FD1D1}" type="slidenum">
+              <a:rPr lang="en-US" smtClean="0"/>
+              <a:t>20</a:t>
+            </a:fld>
+            <a:endParaRPr lang="en-US"/>
+          </a:p>
+        </p:txBody>
+      </p:sp>
+    </p:spTree>
+    <p:extLst>
+      <p:ext uri="{BB962C8B-B14F-4D97-AF65-F5344CB8AC3E}">
+        <p14:creationId xmlns:p14="http://schemas.microsoft.com/office/powerpoint/2010/main" val="3665496780"/>
+      </p:ext>
+    </p:extLst>
+  </p:cSld>
+  <p:clrMapOvr>
+    <a:masterClrMapping/>
+  </p:clrMapOvr>
+</p:notes>
+</file>
+
+<file path=ppt/notesSlides/notesSlide18.xml><?xml version="1.0" encoding="utf-8"?>
+<p:notes xmlns:a="http://schemas.openxmlformats.org/drawingml/2006/main" xmlns:r="http://schemas.openxmlformats.org/officeDocument/2006/relationships" xmlns:p="http://schemas.openxmlformats.org/presentationml/2006/main">
+  <p:cSld>
+    <p:spTree>
+      <p:nvGrpSpPr>
+        <p:cNvPr id="1" name=""/>
+        <p:cNvGrpSpPr/>
+        <p:nvPr/>
+      </p:nvGrpSpPr>
+      <p:grpSpPr>
+        <a:xfrm>
+          <a:off x="0" y="0"/>
+          <a:ext cx="0" cy="0"/>
+          <a:chOff x="0" y="0"/>
+          <a:chExt cx="0" cy="0"/>
+        </a:xfrm>
+      </p:grpSpPr>
+      <p:sp>
+        <p:nvSpPr>
+          <p:cNvPr id="2" name="Folienbildplatzhalter 1"/>
+          <p:cNvSpPr>
+            <a:spLocks noGrp="1" noRot="1" noChangeAspect="1"/>
+          </p:cNvSpPr>
+          <p:nvPr>
+            <p:ph type="sldImg"/>
+          </p:nvPr>
+        </p:nvSpPr>
+        <p:spPr/>
+      </p:sp>
+      <p:sp>
+        <p:nvSpPr>
+          <p:cNvPr id="3" name="Notizenplatzhalter 2"/>
+          <p:cNvSpPr>
+            <a:spLocks noGrp="1"/>
+          </p:cNvSpPr>
+          <p:nvPr>
+            <p:ph type="body" idx="1"/>
+          </p:nvPr>
+        </p:nvSpPr>
+        <p:spPr/>
+        <p:txBody>
+          <a:bodyPr/>
+          <a:lstStyle/>
+          <a:p>
+            <a:endParaRPr lang="en-US" dirty="0" smtClean="0"/>
+          </a:p>
+        </p:txBody>
+      </p:sp>
+      <p:sp>
+        <p:nvSpPr>
+          <p:cNvPr id="4" name="Foliennummernplatzhalter 3"/>
+          <p:cNvSpPr>
+            <a:spLocks noGrp="1"/>
+          </p:cNvSpPr>
+          <p:nvPr>
+            <p:ph type="sldNum" sz="quarter" idx="10"/>
+          </p:nvPr>
+        </p:nvSpPr>
+        <p:spPr/>
+        <p:txBody>
+          <a:bodyPr/>
+          <a:lstStyle/>
+          <a:p>
+            <a:fld id="{03FB03B6-87F7-4F87-BF64-5F48935FD1D1}" type="slidenum">
+              <a:rPr lang="en-US" smtClean="0"/>
+              <a:t>21</a:t>
+            </a:fld>
+            <a:endParaRPr lang="en-US"/>
+          </a:p>
+        </p:txBody>
+      </p:sp>
+    </p:spTree>
+    <p:extLst>
+      <p:ext uri="{BB962C8B-B14F-4D97-AF65-F5344CB8AC3E}">
+        <p14:creationId xmlns:p14="http://schemas.microsoft.com/office/powerpoint/2010/main" val="343909722"/>
+      </p:ext>
+    </p:extLst>
+  </p:cSld>
+  <p:clrMapOvr>
+    <a:masterClrMapping/>
+  </p:clrMapOvr>
+</p:notes>
+</file>
+
+<file path=ppt/notesSlides/notesSlide19.xml><?xml version="1.0" encoding="utf-8"?>
+<p:notes xmlns:a="http://schemas.openxmlformats.org/drawingml/2006/main" xmlns:r="http://schemas.openxmlformats.org/officeDocument/2006/relationships" xmlns:p="http://schemas.openxmlformats.org/presentationml/2006/main">
+  <p:cSld>
+    <p:spTree>
+      <p:nvGrpSpPr>
+        <p:cNvPr id="1" name=""/>
+        <p:cNvGrpSpPr/>
+        <p:nvPr/>
+      </p:nvGrpSpPr>
+      <p:grpSpPr>
+        <a:xfrm>
+          <a:off x="0" y="0"/>
+          <a:ext cx="0" cy="0"/>
+          <a:chOff x="0" y="0"/>
+          <a:chExt cx="0" cy="0"/>
+        </a:xfrm>
+      </p:grpSpPr>
+      <p:sp>
+        <p:nvSpPr>
+          <p:cNvPr id="2" name="Folienbildplatzhalter 1"/>
+          <p:cNvSpPr>
+            <a:spLocks noGrp="1" noRot="1" noChangeAspect="1"/>
+          </p:cNvSpPr>
+          <p:nvPr>
+            <p:ph type="sldImg"/>
+          </p:nvPr>
+        </p:nvSpPr>
+        <p:spPr/>
+      </p:sp>
+      <p:sp>
+        <p:nvSpPr>
+          <p:cNvPr id="3" name="Notizenplatzhalter 2"/>
+          <p:cNvSpPr>
+            <a:spLocks noGrp="1"/>
+          </p:cNvSpPr>
+          <p:nvPr>
+            <p:ph type="body" idx="1"/>
+          </p:nvPr>
+        </p:nvSpPr>
+        <p:spPr/>
+        <p:txBody>
+          <a:bodyPr/>
+          <a:lstStyle/>
+          <a:p>
+            <a:endParaRPr lang="en-US" dirty="0" smtClean="0"/>
+          </a:p>
+        </p:txBody>
+      </p:sp>
+      <p:sp>
+        <p:nvSpPr>
+          <p:cNvPr id="4" name="Foliennummernplatzhalter 3"/>
+          <p:cNvSpPr>
+            <a:spLocks noGrp="1"/>
+          </p:cNvSpPr>
+          <p:nvPr>
+            <p:ph type="sldNum" sz="quarter" idx="10"/>
+          </p:nvPr>
+        </p:nvSpPr>
+        <p:spPr/>
+        <p:txBody>
+          <a:bodyPr/>
+          <a:lstStyle/>
+          <a:p>
+            <a:fld id="{03FB03B6-87F7-4F87-BF64-5F48935FD1D1}" type="slidenum">
+              <a:rPr lang="en-US" smtClean="0"/>
+              <a:t>22</a:t>
+            </a:fld>
+            <a:endParaRPr lang="en-US"/>
+          </a:p>
+        </p:txBody>
+      </p:sp>
+    </p:spTree>
+    <p:extLst>
+      <p:ext uri="{BB962C8B-B14F-4D97-AF65-F5344CB8AC3E}">
+        <p14:creationId xmlns:p14="http://schemas.microsoft.com/office/powerpoint/2010/main" val="726531307"/>
+      </p:ext>
+    </p:extLst>
+  </p:cSld>
+  <p:clrMapOvr>
+    <a:masterClrMapping/>
+  </p:clrMapOvr>
+</p:notes>
+</file>
+
 <file path=ppt/notesSlides/notesSlide2.xml><?xml version="1.0" encoding="utf-8"?>
 <p:notes xmlns:a="http://schemas.openxmlformats.org/drawingml/2006/main" xmlns:r="http://schemas.openxmlformats.org/officeDocument/2006/relationships" xmlns:p="http://schemas.openxmlformats.org/presentationml/2006/main">
   <p:cSld>
@@ -1588,7 +2268,7 @@
             <a:fld id="{8E36636D-D922-432D-A958-524484B5923D}" type="datetimeFigureOut">
               <a:rPr lang="en-US" dirty="0"/>
               <a:pPr/>
-              <a:t>6/19/2018</a:t>
+              <a:t>6/25/2018</a:t>
             </a:fld>
             <a:endParaRPr lang="en-US" dirty="0"/>
           </a:p>
@@ -1882,7 +2562,7 @@
           <a:p>
             <a:fld id="{48A87A34-81AB-432B-8DAE-1953F412C126}" type="datetimeFigureOut">
               <a:rPr lang="en-US" dirty="0"/>
-              <a:t>6/19/2018</a:t>
+              <a:t>6/25/2018</a:t>
             </a:fld>
             <a:endParaRPr lang="en-US" dirty="0"/>
           </a:p>
@@ -2069,7 +2749,7 @@
           <a:p>
             <a:fld id="{48A87A34-81AB-432B-8DAE-1953F412C126}" type="datetimeFigureOut">
               <a:rPr lang="en-US" dirty="0"/>
-              <a:t>6/19/2018</a:t>
+              <a:t>6/25/2018</a:t>
             </a:fld>
             <a:endParaRPr lang="en-US" dirty="0"/>
           </a:p>
@@ -2325,7 +3005,7 @@
           <a:p>
             <a:fld id="{48A87A34-81AB-432B-8DAE-1953F412C126}" type="datetimeFigureOut">
               <a:rPr lang="en-US" dirty="0"/>
-              <a:t>6/19/2018</a:t>
+              <a:t>6/25/2018</a:t>
             </a:fld>
             <a:endParaRPr lang="en-US" dirty="0"/>
           </a:p>
@@ -2744,7 +3424,7 @@
           <a:p>
             <a:fld id="{48A87A34-81AB-432B-8DAE-1953F412C126}" type="datetimeFigureOut">
               <a:rPr lang="en-US" dirty="0"/>
-              <a:t>6/19/2018</a:t>
+              <a:t>6/25/2018</a:t>
             </a:fld>
             <a:endParaRPr lang="en-US" dirty="0"/>
           </a:p>
@@ -3276,7 +3956,7 @@
           <a:p>
             <a:fld id="{48A87A34-81AB-432B-8DAE-1953F412C126}" type="datetimeFigureOut">
               <a:rPr lang="en-US" dirty="0"/>
-              <a:t>6/19/2018</a:t>
+              <a:t>6/25/2018</a:t>
             </a:fld>
             <a:endParaRPr lang="en-US" dirty="0"/>
           </a:p>
@@ -4135,7 +4815,7 @@
           <a:p>
             <a:fld id="{48A87A34-81AB-432B-8DAE-1953F412C126}" type="datetimeFigureOut">
               <a:rPr lang="en-US" dirty="0"/>
-              <a:t>6/19/2018</a:t>
+              <a:t>6/25/2018</a:t>
             </a:fld>
             <a:endParaRPr lang="en-US" dirty="0"/>
           </a:p>
@@ -4301,7 +4981,7 @@
             <a:fld id="{8E36636D-D922-432D-A958-524484B5923D}" type="datetimeFigureOut">
               <a:rPr lang="en-US" dirty="0"/>
               <a:pPr/>
-              <a:t>6/19/2018</a:t>
+              <a:t>6/25/2018</a:t>
             </a:fld>
             <a:endParaRPr lang="en-US" dirty="0"/>
           </a:p>
@@ -4482,7 +5162,7 @@
             <a:fld id="{8E36636D-D922-432D-A958-524484B5923D}" type="datetimeFigureOut">
               <a:rPr lang="en-US" dirty="0"/>
               <a:pPr/>
-              <a:t>6/19/2018</a:t>
+              <a:t>6/25/2018</a:t>
             </a:fld>
             <a:endParaRPr lang="en-US" dirty="0"/>
           </a:p>
@@ -4649,7 +5329,7 @@
             <a:fld id="{8E36636D-D922-432D-A958-524484B5923D}" type="datetimeFigureOut">
               <a:rPr lang="en-US" dirty="0"/>
               <a:pPr/>
-              <a:t>6/19/2018</a:t>
+              <a:t>6/25/2018</a:t>
             </a:fld>
             <a:endParaRPr lang="en-US" dirty="0"/>
           </a:p>
@@ -4890,7 +5570,7 @@
             <a:fld id="{8E36636D-D922-432D-A958-524484B5923D}" type="datetimeFigureOut">
               <a:rPr lang="en-US" dirty="0"/>
               <a:pPr/>
-              <a:t>6/19/2018</a:t>
+              <a:t>6/25/2018</a:t>
             </a:fld>
             <a:endParaRPr lang="en-US" dirty="0"/>
           </a:p>
@@ -5123,7 +5803,7 @@
             <a:fld id="{8E36636D-D922-432D-A958-524484B5923D}" type="datetimeFigureOut">
               <a:rPr lang="en-US" dirty="0"/>
               <a:pPr/>
-              <a:t>6/19/2018</a:t>
+              <a:t>6/25/2018</a:t>
             </a:fld>
             <a:endParaRPr lang="en-US" dirty="0"/>
           </a:p>
@@ -5586,7 +6266,7 @@
             <a:fld id="{8E36636D-D922-432D-A958-524484B5923D}" type="datetimeFigureOut">
               <a:rPr lang="en-US" dirty="0"/>
               <a:pPr/>
-              <a:t>6/19/2018</a:t>
+              <a:t>6/25/2018</a:t>
             </a:fld>
             <a:endParaRPr lang="en-US" dirty="0"/>
           </a:p>
@@ -5701,7 +6381,7 @@
             <a:fld id="{8E36636D-D922-432D-A958-524484B5923D}" type="datetimeFigureOut">
               <a:rPr lang="en-US" dirty="0"/>
               <a:pPr/>
-              <a:t>6/19/2018</a:t>
+              <a:t>6/25/2018</a:t>
             </a:fld>
             <a:endParaRPr lang="en-US" dirty="0"/>
           </a:p>
@@ -5793,7 +6473,7 @@
             <a:fld id="{8E36636D-D922-432D-A958-524484B5923D}" type="datetimeFigureOut">
               <a:rPr lang="en-US" dirty="0"/>
               <a:pPr/>
-              <a:t>6/19/2018</a:t>
+              <a:t>6/25/2018</a:t>
             </a:fld>
             <a:endParaRPr lang="en-US" dirty="0"/>
           </a:p>
@@ -6045,7 +6725,7 @@
             <a:fld id="{8E36636D-D922-432D-A958-524484B5923D}" type="datetimeFigureOut">
               <a:rPr lang="en-US" dirty="0"/>
               <a:pPr/>
-              <a:t>6/19/2018</a:t>
+              <a:t>6/25/2018</a:t>
             </a:fld>
             <a:endParaRPr lang="en-US" dirty="0"/>
           </a:p>
@@ -6342,7 +7022,7 @@
             <a:fld id="{8E36636D-D922-432D-A958-524484B5923D}" type="datetimeFigureOut">
               <a:rPr lang="en-US" dirty="0"/>
               <a:pPr/>
-              <a:t>6/19/2018</a:t>
+              <a:t>6/25/2018</a:t>
             </a:fld>
             <a:endParaRPr lang="en-US" dirty="0"/>
           </a:p>
@@ -6573,7 +7253,7 @@
             <a:fld id="{8E36636D-D922-432D-A958-524484B5923D}" type="datetimeFigureOut">
               <a:rPr lang="en-US" dirty="0"/>
               <a:pPr/>
-              <a:t>6/19/2018</a:t>
+              <a:t>6/25/2018</a:t>
             </a:fld>
             <a:endParaRPr lang="en-US" dirty="0"/>
           </a:p>
@@ -9348,6 +10028,1879 @@
 </p:sld>
 </file>
 
+<file path=ppt/slides/slide15.xml><?xml version="1.0" encoding="utf-8"?>
+<p:sld xmlns:a="http://schemas.openxmlformats.org/drawingml/2006/main" xmlns:r="http://schemas.openxmlformats.org/officeDocument/2006/relationships" xmlns:p="http://schemas.openxmlformats.org/presentationml/2006/main">
+  <p:cSld>
+    <p:spTree>
+      <p:nvGrpSpPr>
+        <p:cNvPr id="1" name=""/>
+        <p:cNvGrpSpPr/>
+        <p:nvPr/>
+      </p:nvGrpSpPr>
+      <p:grpSpPr>
+        <a:xfrm>
+          <a:off x="0" y="0"/>
+          <a:ext cx="0" cy="0"/>
+          <a:chOff x="0" y="0"/>
+          <a:chExt cx="0" cy="0"/>
+        </a:xfrm>
+      </p:grpSpPr>
+      <p:sp>
+        <p:nvSpPr>
+          <p:cNvPr id="2" name="Titel 1"/>
+          <p:cNvSpPr>
+            <a:spLocks noGrp="1"/>
+          </p:cNvSpPr>
+          <p:nvPr>
+            <p:ph type="title"/>
+          </p:nvPr>
+        </p:nvSpPr>
+        <p:spPr>
+          <a:xfrm>
+            <a:off x="913795" y="152400"/>
+            <a:ext cx="10353762" cy="970450"/>
+          </a:xfrm>
+          <a:effectLst/>
+        </p:spPr>
+        <p:txBody>
+          <a:bodyPr>
+            <a:noAutofit/>
+          </a:bodyPr>
+          <a:lstStyle/>
+          <a:p>
+            <a:r>
+              <a:rPr lang="de-DE" sz="6000" u="sng" dirty="0" smtClean="0">
+                <a:latin typeface="Times New Roman" panose="02020603050405020304" pitchFamily="18" charset="0"/>
+                <a:cs typeface="Times New Roman" panose="02020603050405020304" pitchFamily="18" charset="0"/>
+              </a:rPr>
+              <a:t>Linker</a:t>
+            </a:r>
+            <a:endParaRPr lang="de-DE" sz="6000" u="sng" dirty="0">
+              <a:latin typeface="Times New Roman" panose="02020603050405020304" pitchFamily="18" charset="0"/>
+              <a:cs typeface="Times New Roman" panose="02020603050405020304" pitchFamily="18" charset="0"/>
+            </a:endParaRPr>
+          </a:p>
+        </p:txBody>
+      </p:sp>
+      <p:sp>
+        <p:nvSpPr>
+          <p:cNvPr id="3" name="Inhaltsplatzhalter 2"/>
+          <p:cNvSpPr>
+            <a:spLocks noGrp="1"/>
+          </p:cNvSpPr>
+          <p:nvPr>
+            <p:ph idx="1"/>
+          </p:nvPr>
+        </p:nvSpPr>
+        <p:spPr>
+          <a:xfrm>
+            <a:off x="913795" y="1566194"/>
+            <a:ext cx="10353762" cy="4734853"/>
+          </a:xfrm>
+          <a:effectLst/>
+        </p:spPr>
+        <p:txBody>
+          <a:bodyPr anchor="ctr">
+            <a:normAutofit/>
+          </a:bodyPr>
+          <a:lstStyle/>
+          <a:p>
+            <a:pPr>
+              <a:spcAft>
+                <a:spcPts val="1200"/>
+              </a:spcAft>
+              <a:buFont typeface="Wingdings" panose="05000000000000000000" pitchFamily="2" charset="2"/>
+              <a:buChar char="Ø"/>
+            </a:pPr>
+            <a:r>
+              <a:rPr lang="de-DE" sz="2400" dirty="0" smtClean="0">
+                <a:ln>
+                  <a:noFill/>
+                </a:ln>
+                <a:latin typeface="Times New Roman" panose="02020603050405020304" pitchFamily="18" charset="0"/>
+                <a:cs typeface="Times New Roman" panose="02020603050405020304" pitchFamily="18" charset="0"/>
+              </a:rPr>
+              <a:t>Fehler </a:t>
+            </a:r>
+            <a:r>
+              <a:rPr lang="de-DE" sz="2400" dirty="0" err="1" smtClean="0">
+                <a:ln>
+                  <a:noFill/>
+                </a:ln>
+                <a:latin typeface="Times New Roman" panose="02020603050405020304" pitchFamily="18" charset="0"/>
+                <a:cs typeface="Times New Roman" panose="02020603050405020304" pitchFamily="18" charset="0"/>
+              </a:rPr>
+              <a:t>zB</a:t>
+            </a:r>
+            <a:r>
+              <a:rPr lang="de-DE" sz="2400" dirty="0" smtClean="0">
+                <a:ln>
+                  <a:noFill/>
+                </a:ln>
+                <a:latin typeface="Times New Roman" panose="02020603050405020304" pitchFamily="18" charset="0"/>
+                <a:cs typeface="Times New Roman" panose="02020603050405020304" pitchFamily="18" charset="0"/>
+              </a:rPr>
+              <a:t> bei doppelter Implementation einer Funktion</a:t>
+            </a:r>
+          </a:p>
+          <a:p>
+            <a:pPr>
+              <a:spcAft>
+                <a:spcPts val="1200"/>
+              </a:spcAft>
+              <a:buFont typeface="Wingdings" panose="05000000000000000000" pitchFamily="2" charset="2"/>
+              <a:buChar char="Ø"/>
+            </a:pPr>
+            <a:r>
+              <a:rPr lang="de-DE" sz="2400" dirty="0" smtClean="0">
+                <a:ln>
+                  <a:noFill/>
+                </a:ln>
+                <a:latin typeface="Times New Roman" panose="02020603050405020304" pitchFamily="18" charset="0"/>
+                <a:cs typeface="Times New Roman" panose="02020603050405020304" pitchFamily="18" charset="0"/>
+              </a:rPr>
+              <a:t>Funktion deklariert aber nicht implementiert</a:t>
+            </a:r>
+          </a:p>
+          <a:p>
+            <a:pPr lvl="1">
+              <a:spcAft>
+                <a:spcPts val="1200"/>
+              </a:spcAft>
+              <a:buFont typeface="Wingdings" panose="05000000000000000000" pitchFamily="2" charset="2"/>
+              <a:buChar char="Ø"/>
+            </a:pPr>
+            <a:r>
+              <a:rPr lang="de-DE" sz="2000" dirty="0">
+                <a:ln>
+                  <a:noFill/>
+                </a:ln>
+                <a:latin typeface="Times New Roman" panose="02020603050405020304" pitchFamily="18" charset="0"/>
+                <a:cs typeface="Times New Roman" panose="02020603050405020304" pitchFamily="18" charset="0"/>
+              </a:rPr>
+              <a:t>k</a:t>
+            </a:r>
+            <a:r>
+              <a:rPr lang="de-DE" sz="2000" dirty="0" smtClean="0">
+                <a:ln>
+                  <a:noFill/>
+                </a:ln>
+                <a:latin typeface="Times New Roman" panose="02020603050405020304" pitchFamily="18" charset="0"/>
+                <a:cs typeface="Times New Roman" panose="02020603050405020304" pitchFamily="18" charset="0"/>
+              </a:rPr>
+              <a:t>ein Fehler solange kein Aufruf</a:t>
+            </a:r>
+          </a:p>
+          <a:p>
+            <a:pPr>
+              <a:spcAft>
+                <a:spcPts val="1200"/>
+              </a:spcAft>
+              <a:buFont typeface="Wingdings" panose="05000000000000000000" pitchFamily="2" charset="2"/>
+              <a:buChar char="Ø"/>
+            </a:pPr>
+            <a:r>
+              <a:rPr lang="de-DE" sz="2400" dirty="0" smtClean="0">
+                <a:ln>
+                  <a:noFill/>
+                </a:ln>
+                <a:latin typeface="Times New Roman" panose="02020603050405020304" pitchFamily="18" charset="0"/>
+                <a:cs typeface="Times New Roman" panose="02020603050405020304" pitchFamily="18" charset="0"/>
+              </a:rPr>
+              <a:t>Alternative zu #</a:t>
+            </a:r>
+            <a:r>
+              <a:rPr lang="de-DE" sz="2400" dirty="0" err="1" smtClean="0">
+                <a:ln>
+                  <a:noFill/>
+                </a:ln>
+                <a:latin typeface="Times New Roman" panose="02020603050405020304" pitchFamily="18" charset="0"/>
+                <a:cs typeface="Times New Roman" panose="02020603050405020304" pitchFamily="18" charset="0"/>
+              </a:rPr>
+              <a:t>pragma</a:t>
+            </a:r>
+            <a:r>
+              <a:rPr lang="de-DE" sz="2400" dirty="0" smtClean="0">
+                <a:ln>
+                  <a:noFill/>
+                </a:ln>
+                <a:latin typeface="Times New Roman" panose="02020603050405020304" pitchFamily="18" charset="0"/>
+                <a:cs typeface="Times New Roman" panose="02020603050405020304" pitchFamily="18" charset="0"/>
+              </a:rPr>
+              <a:t> </a:t>
+            </a:r>
+            <a:r>
+              <a:rPr lang="de-DE" sz="2400" dirty="0" err="1" smtClean="0">
+                <a:ln>
+                  <a:noFill/>
+                </a:ln>
+                <a:latin typeface="Times New Roman" panose="02020603050405020304" pitchFamily="18" charset="0"/>
+                <a:cs typeface="Times New Roman" panose="02020603050405020304" pitchFamily="18" charset="0"/>
+              </a:rPr>
+              <a:t>once</a:t>
+            </a:r>
+            <a:endParaRPr lang="de-DE" sz="2400" dirty="0" smtClean="0">
+              <a:ln>
+                <a:noFill/>
+              </a:ln>
+              <a:latin typeface="Times New Roman" panose="02020603050405020304" pitchFamily="18" charset="0"/>
+              <a:cs typeface="Times New Roman" panose="02020603050405020304" pitchFamily="18" charset="0"/>
+            </a:endParaRPr>
+          </a:p>
+          <a:p>
+            <a:pPr marL="450000" lvl="1" indent="0">
+              <a:spcAft>
+                <a:spcPts val="1200"/>
+              </a:spcAft>
+              <a:buNone/>
+            </a:pPr>
+            <a:r>
+              <a:rPr lang="de-DE" sz="2000" dirty="0" smtClean="0">
+                <a:ln>
+                  <a:noFill/>
+                </a:ln>
+                <a:latin typeface="Courier New" panose="02070309020205020404" pitchFamily="49" charset="0"/>
+                <a:cs typeface="Courier New" panose="02070309020205020404" pitchFamily="49" charset="0"/>
+              </a:rPr>
+              <a:t>#</a:t>
+            </a:r>
+            <a:r>
+              <a:rPr lang="de-DE" sz="2000" dirty="0" err="1" smtClean="0">
+                <a:ln>
+                  <a:noFill/>
+                </a:ln>
+                <a:latin typeface="Courier New" panose="02070309020205020404" pitchFamily="49" charset="0"/>
+                <a:cs typeface="Courier New" panose="02070309020205020404" pitchFamily="49" charset="0"/>
+              </a:rPr>
+              <a:t>ifdef</a:t>
+            </a:r>
+            <a:r>
+              <a:rPr lang="de-DE" sz="2000" dirty="0" smtClean="0">
+                <a:ln>
+                  <a:noFill/>
+                </a:ln>
+                <a:latin typeface="Courier New" panose="02070309020205020404" pitchFamily="49" charset="0"/>
+                <a:cs typeface="Courier New" panose="02070309020205020404" pitchFamily="49" charset="0"/>
+              </a:rPr>
+              <a:t> __</a:t>
+            </a:r>
+            <a:r>
+              <a:rPr lang="de-DE" sz="2000" dirty="0" err="1" smtClean="0">
+                <a:ln>
+                  <a:noFill/>
+                </a:ln>
+                <a:latin typeface="Courier New" panose="02070309020205020404" pitchFamily="49" charset="0"/>
+                <a:cs typeface="Courier New" panose="02070309020205020404" pitchFamily="49" charset="0"/>
+              </a:rPr>
+              <a:t>Animal_h</a:t>
+            </a:r>
+            <a:r>
+              <a:rPr lang="de-DE" sz="2000" dirty="0" smtClean="0">
+                <a:ln>
+                  <a:noFill/>
+                </a:ln>
+                <a:latin typeface="Courier New" panose="02070309020205020404" pitchFamily="49" charset="0"/>
+                <a:cs typeface="Courier New" panose="02070309020205020404" pitchFamily="49" charset="0"/>
+              </a:rPr>
+              <a:t>__</a:t>
+            </a:r>
+            <a:r>
+              <a:rPr lang="de-DE" sz="2000" dirty="0" smtClean="0">
+                <a:ln>
+                  <a:noFill/>
+                </a:ln>
+                <a:latin typeface="Times New Roman" panose="02020603050405020304" pitchFamily="18" charset="0"/>
+                <a:cs typeface="Times New Roman" panose="02020603050405020304" pitchFamily="18" charset="0"/>
+              </a:rPr>
+              <a:t>	-&gt; wenn nicht definiert</a:t>
+            </a:r>
+          </a:p>
+          <a:p>
+            <a:pPr marL="450000" lvl="1" indent="0">
+              <a:spcAft>
+                <a:spcPts val="1200"/>
+              </a:spcAft>
+              <a:buNone/>
+            </a:pPr>
+            <a:r>
+              <a:rPr lang="de-DE" sz="2000" dirty="0" smtClean="0">
+                <a:ln>
+                  <a:noFill/>
+                </a:ln>
+                <a:latin typeface="Courier New" panose="02070309020205020404" pitchFamily="49" charset="0"/>
+                <a:cs typeface="Courier New" panose="02070309020205020404" pitchFamily="49" charset="0"/>
+              </a:rPr>
+              <a:t>#</a:t>
+            </a:r>
+            <a:r>
+              <a:rPr lang="de-DE" sz="2000" dirty="0" err="1" smtClean="0">
+                <a:ln>
+                  <a:noFill/>
+                </a:ln>
+                <a:latin typeface="Courier New" panose="02070309020205020404" pitchFamily="49" charset="0"/>
+                <a:cs typeface="Courier New" panose="02070309020205020404" pitchFamily="49" charset="0"/>
+              </a:rPr>
+              <a:t>define</a:t>
+            </a:r>
+            <a:r>
+              <a:rPr lang="de-DE" sz="2000" dirty="0" smtClean="0">
+                <a:ln>
+                  <a:noFill/>
+                </a:ln>
+                <a:latin typeface="Courier New" panose="02070309020205020404" pitchFamily="49" charset="0"/>
+                <a:cs typeface="Courier New" panose="02070309020205020404" pitchFamily="49" charset="0"/>
+              </a:rPr>
+              <a:t> __</a:t>
+            </a:r>
+            <a:r>
+              <a:rPr lang="de-DE" sz="2000" dirty="0" err="1" smtClean="0">
+                <a:ln>
+                  <a:noFill/>
+                </a:ln>
+                <a:latin typeface="Courier New" panose="02070309020205020404" pitchFamily="49" charset="0"/>
+                <a:cs typeface="Courier New" panose="02070309020205020404" pitchFamily="49" charset="0"/>
+              </a:rPr>
+              <a:t>Animal_h</a:t>
+            </a:r>
+            <a:r>
+              <a:rPr lang="de-DE" sz="2000" dirty="0" smtClean="0">
+                <a:ln>
+                  <a:noFill/>
+                </a:ln>
+                <a:latin typeface="Courier New" panose="02070309020205020404" pitchFamily="49" charset="0"/>
+                <a:cs typeface="Courier New" panose="02070309020205020404" pitchFamily="49" charset="0"/>
+              </a:rPr>
+              <a:t>__</a:t>
+            </a:r>
+            <a:r>
+              <a:rPr lang="de-DE" sz="2000" dirty="0" smtClean="0">
+                <a:ln>
+                  <a:noFill/>
+                </a:ln>
+                <a:latin typeface="Times New Roman" panose="02020603050405020304" pitchFamily="18" charset="0"/>
+                <a:cs typeface="Times New Roman" panose="02020603050405020304" pitchFamily="18" charset="0"/>
+              </a:rPr>
+              <a:t>	-&gt; definiere </a:t>
+            </a:r>
+            <a:r>
+              <a:rPr lang="de-DE" sz="2000" dirty="0" err="1" smtClean="0">
+                <a:ln>
+                  <a:noFill/>
+                </a:ln>
+                <a:latin typeface="Times New Roman" panose="02020603050405020304" pitchFamily="18" charset="0"/>
+                <a:cs typeface="Times New Roman" panose="02020603050405020304" pitchFamily="18" charset="0"/>
+              </a:rPr>
+              <a:t>Animal.h</a:t>
+            </a:r>
+            <a:endParaRPr lang="de-DE" sz="2000" dirty="0" smtClean="0">
+              <a:ln>
+                <a:noFill/>
+              </a:ln>
+              <a:latin typeface="Times New Roman" panose="02020603050405020304" pitchFamily="18" charset="0"/>
+              <a:cs typeface="Times New Roman" panose="02020603050405020304" pitchFamily="18" charset="0"/>
+            </a:endParaRPr>
+          </a:p>
+          <a:p>
+            <a:pPr marL="450000" lvl="1" indent="0">
+              <a:spcAft>
+                <a:spcPts val="1200"/>
+              </a:spcAft>
+              <a:buNone/>
+            </a:pPr>
+            <a:r>
+              <a:rPr lang="de-DE" sz="2000" dirty="0" smtClean="0">
+                <a:ln>
+                  <a:noFill/>
+                </a:ln>
+                <a:latin typeface="Courier New" panose="02070309020205020404" pitchFamily="49" charset="0"/>
+                <a:cs typeface="Courier New" panose="02070309020205020404" pitchFamily="49" charset="0"/>
+              </a:rPr>
+              <a:t>#</a:t>
+            </a:r>
+            <a:r>
+              <a:rPr lang="de-DE" sz="2000" dirty="0" err="1" smtClean="0">
+                <a:ln>
+                  <a:noFill/>
+                </a:ln>
+                <a:latin typeface="Courier New" panose="02070309020205020404" pitchFamily="49" charset="0"/>
+                <a:cs typeface="Courier New" panose="02070309020205020404" pitchFamily="49" charset="0"/>
+              </a:rPr>
+              <a:t>endif</a:t>
+            </a:r>
+            <a:r>
+              <a:rPr lang="de-DE" sz="2000" dirty="0" smtClean="0">
+                <a:ln>
+                  <a:noFill/>
+                </a:ln>
+                <a:latin typeface="Times New Roman" panose="02020603050405020304" pitchFamily="18" charset="0"/>
+                <a:cs typeface="Times New Roman" panose="02020603050405020304" pitchFamily="18" charset="0"/>
+              </a:rPr>
+              <a:t>						-&gt; am Ende des Header Files</a:t>
+            </a:r>
+          </a:p>
+        </p:txBody>
+      </p:sp>
+    </p:spTree>
+    <p:extLst>
+      <p:ext uri="{BB962C8B-B14F-4D97-AF65-F5344CB8AC3E}">
+        <p14:creationId xmlns:p14="http://schemas.microsoft.com/office/powerpoint/2010/main" val="151005082"/>
+      </p:ext>
+    </p:extLst>
+  </p:cSld>
+  <p:clrMapOvr>
+    <a:masterClrMapping/>
+  </p:clrMapOvr>
+  <p:timing>
+    <p:tnLst>
+      <p:par>
+        <p:cTn id="1" dur="indefinite" restart="never" nodeType="tmRoot"/>
+      </p:par>
+    </p:tnLst>
+  </p:timing>
+</p:sld>
+</file>
+
+<file path=ppt/slides/slide16.xml><?xml version="1.0" encoding="utf-8"?>
+<p:sld xmlns:a="http://schemas.openxmlformats.org/drawingml/2006/main" xmlns:r="http://schemas.openxmlformats.org/officeDocument/2006/relationships" xmlns:p="http://schemas.openxmlformats.org/presentationml/2006/main">
+  <p:cSld>
+    <p:spTree>
+      <p:nvGrpSpPr>
+        <p:cNvPr id="1" name=""/>
+        <p:cNvGrpSpPr/>
+        <p:nvPr/>
+      </p:nvGrpSpPr>
+      <p:grpSpPr>
+        <a:xfrm>
+          <a:off x="0" y="0"/>
+          <a:ext cx="0" cy="0"/>
+          <a:chOff x="0" y="0"/>
+          <a:chExt cx="0" cy="0"/>
+        </a:xfrm>
+      </p:grpSpPr>
+      <p:sp>
+        <p:nvSpPr>
+          <p:cNvPr id="2" name="Titel 1"/>
+          <p:cNvSpPr>
+            <a:spLocks noGrp="1"/>
+          </p:cNvSpPr>
+          <p:nvPr>
+            <p:ph type="title"/>
+          </p:nvPr>
+        </p:nvSpPr>
+        <p:spPr>
+          <a:xfrm>
+            <a:off x="913795" y="152400"/>
+            <a:ext cx="10353762" cy="970450"/>
+          </a:xfrm>
+          <a:effectLst/>
+        </p:spPr>
+        <p:txBody>
+          <a:bodyPr>
+            <a:noAutofit/>
+          </a:bodyPr>
+          <a:lstStyle/>
+          <a:p>
+            <a:r>
+              <a:rPr lang="de-DE" sz="6000" u="sng" dirty="0" err="1" smtClean="0">
+                <a:latin typeface="Times New Roman" panose="02020603050405020304" pitchFamily="18" charset="0"/>
+                <a:cs typeface="Times New Roman" panose="02020603050405020304" pitchFamily="18" charset="0"/>
+              </a:rPr>
+              <a:t>Macro</a:t>
+            </a:r>
+            <a:endParaRPr lang="de-DE" sz="6000" u="sng" dirty="0">
+              <a:latin typeface="Times New Roman" panose="02020603050405020304" pitchFamily="18" charset="0"/>
+              <a:cs typeface="Times New Roman" panose="02020603050405020304" pitchFamily="18" charset="0"/>
+            </a:endParaRPr>
+          </a:p>
+        </p:txBody>
+      </p:sp>
+      <p:sp>
+        <p:nvSpPr>
+          <p:cNvPr id="3" name="Inhaltsplatzhalter 2"/>
+          <p:cNvSpPr>
+            <a:spLocks noGrp="1"/>
+          </p:cNvSpPr>
+          <p:nvPr>
+            <p:ph idx="1"/>
+          </p:nvPr>
+        </p:nvSpPr>
+        <p:spPr>
+          <a:xfrm>
+            <a:off x="913795" y="1566194"/>
+            <a:ext cx="10353762" cy="4734853"/>
+          </a:xfrm>
+          <a:effectLst/>
+        </p:spPr>
+        <p:txBody>
+          <a:bodyPr anchor="ctr">
+            <a:normAutofit/>
+          </a:bodyPr>
+          <a:lstStyle/>
+          <a:p>
+            <a:pPr>
+              <a:spcAft>
+                <a:spcPts val="1200"/>
+              </a:spcAft>
+              <a:buFont typeface="Wingdings" panose="05000000000000000000" pitchFamily="2" charset="2"/>
+              <a:buChar char="Ø"/>
+            </a:pPr>
+            <a:r>
+              <a:rPr lang="de-DE" sz="2000" dirty="0" err="1" smtClean="0">
+                <a:ln>
+                  <a:noFill/>
+                </a:ln>
+                <a:latin typeface="Times New Roman" panose="02020603050405020304" pitchFamily="18" charset="0"/>
+                <a:cs typeface="Times New Roman" panose="02020603050405020304" pitchFamily="18" charset="0"/>
+              </a:rPr>
+              <a:t>Macro</a:t>
+            </a:r>
+            <a:r>
+              <a:rPr lang="de-DE" sz="2000" dirty="0" smtClean="0">
+                <a:ln>
+                  <a:noFill/>
+                </a:ln>
+                <a:latin typeface="Times New Roman" panose="02020603050405020304" pitchFamily="18" charset="0"/>
+                <a:cs typeface="Times New Roman" panose="02020603050405020304" pitchFamily="18" charset="0"/>
+              </a:rPr>
+              <a:t> = Textersetzung</a:t>
+            </a:r>
+          </a:p>
+          <a:p>
+            <a:pPr>
+              <a:spcAft>
+                <a:spcPts val="1200"/>
+              </a:spcAft>
+              <a:buFont typeface="Wingdings" panose="05000000000000000000" pitchFamily="2" charset="2"/>
+              <a:buChar char="Ø"/>
+            </a:pPr>
+            <a:r>
+              <a:rPr lang="de-DE" dirty="0" smtClean="0">
+                <a:ln>
+                  <a:noFill/>
+                </a:ln>
+                <a:latin typeface="Times New Roman" panose="02020603050405020304" pitchFamily="18" charset="0"/>
+                <a:cs typeface="Times New Roman" panose="02020603050405020304" pitchFamily="18" charset="0"/>
+              </a:rPr>
+              <a:t>#</a:t>
+            </a:r>
+            <a:r>
+              <a:rPr lang="de-DE" dirty="0" err="1" smtClean="0">
+                <a:ln>
+                  <a:noFill/>
+                </a:ln>
+                <a:latin typeface="Times New Roman" panose="02020603050405020304" pitchFamily="18" charset="0"/>
+                <a:cs typeface="Times New Roman" panose="02020603050405020304" pitchFamily="18" charset="0"/>
+              </a:rPr>
+              <a:t>define</a:t>
+            </a:r>
+            <a:r>
+              <a:rPr lang="de-DE" dirty="0" smtClean="0">
+                <a:ln>
+                  <a:noFill/>
+                </a:ln>
+                <a:latin typeface="Times New Roman" panose="02020603050405020304" pitchFamily="18" charset="0"/>
+                <a:cs typeface="Times New Roman" panose="02020603050405020304" pitchFamily="18" charset="0"/>
+              </a:rPr>
+              <a:t> NAME_OF_MACRO </a:t>
+            </a:r>
+            <a:r>
+              <a:rPr lang="de-DE" i="1" dirty="0" smtClean="0">
+                <a:ln>
+                  <a:noFill/>
+                </a:ln>
+                <a:latin typeface="Times New Roman" panose="02020603050405020304" pitchFamily="18" charset="0"/>
+                <a:cs typeface="Times New Roman" panose="02020603050405020304" pitchFamily="18" charset="0"/>
+              </a:rPr>
+              <a:t>Text</a:t>
+            </a:r>
+          </a:p>
+          <a:p>
+            <a:pPr lvl="1">
+              <a:spcAft>
+                <a:spcPts val="1200"/>
+              </a:spcAft>
+              <a:buFont typeface="Wingdings" panose="05000000000000000000" pitchFamily="2" charset="2"/>
+              <a:buChar char="Ø"/>
+            </a:pPr>
+            <a:r>
+              <a:rPr lang="de-DE" dirty="0" smtClean="0">
+                <a:ln>
+                  <a:noFill/>
+                </a:ln>
+                <a:latin typeface="Times New Roman" panose="02020603050405020304" pitchFamily="18" charset="0"/>
+                <a:cs typeface="Times New Roman" panose="02020603050405020304" pitchFamily="18" charset="0"/>
+              </a:rPr>
+              <a:t>#</a:t>
+            </a:r>
+            <a:r>
+              <a:rPr lang="de-DE" dirty="0" err="1" smtClean="0">
+                <a:ln>
+                  <a:noFill/>
+                </a:ln>
+                <a:latin typeface="Times New Roman" panose="02020603050405020304" pitchFamily="18" charset="0"/>
+                <a:cs typeface="Times New Roman" panose="02020603050405020304" pitchFamily="18" charset="0"/>
+              </a:rPr>
+              <a:t>define</a:t>
+            </a:r>
+            <a:r>
+              <a:rPr lang="de-DE" dirty="0" smtClean="0">
+                <a:ln>
+                  <a:noFill/>
+                </a:ln>
+                <a:latin typeface="Times New Roman" panose="02020603050405020304" pitchFamily="18" charset="0"/>
+                <a:cs typeface="Times New Roman" panose="02020603050405020304" pitchFamily="18" charset="0"/>
+              </a:rPr>
+              <a:t> BUILD_TYPE „</a:t>
+            </a:r>
+            <a:r>
+              <a:rPr lang="de-DE" dirty="0" err="1" smtClean="0">
+                <a:ln>
+                  <a:noFill/>
+                </a:ln>
+                <a:latin typeface="Times New Roman" panose="02020603050405020304" pitchFamily="18" charset="0"/>
+                <a:cs typeface="Times New Roman" panose="02020603050405020304" pitchFamily="18" charset="0"/>
+              </a:rPr>
+              <a:t>Debug</a:t>
+            </a:r>
+            <a:r>
+              <a:rPr lang="de-DE" dirty="0" smtClean="0">
+                <a:ln>
+                  <a:noFill/>
+                </a:ln>
+                <a:latin typeface="Times New Roman" panose="02020603050405020304" pitchFamily="18" charset="0"/>
+                <a:cs typeface="Times New Roman" panose="02020603050405020304" pitchFamily="18" charset="0"/>
+              </a:rPr>
+              <a:t>“ 	-&gt; String ersetzen</a:t>
+            </a:r>
+          </a:p>
+          <a:p>
+            <a:pPr lvl="1">
+              <a:spcAft>
+                <a:spcPts val="1200"/>
+              </a:spcAft>
+              <a:buFont typeface="Wingdings" panose="05000000000000000000" pitchFamily="2" charset="2"/>
+              <a:buChar char="Ø"/>
+            </a:pPr>
+            <a:r>
+              <a:rPr lang="de-DE" dirty="0" smtClean="0">
+                <a:ln>
+                  <a:noFill/>
+                </a:ln>
+                <a:latin typeface="Times New Roman" panose="02020603050405020304" pitchFamily="18" charset="0"/>
+                <a:cs typeface="Times New Roman" panose="02020603050405020304" pitchFamily="18" charset="0"/>
+              </a:rPr>
+              <a:t>#</a:t>
+            </a:r>
+            <a:r>
+              <a:rPr lang="de-DE" dirty="0" err="1" smtClean="0">
+                <a:ln>
+                  <a:noFill/>
+                </a:ln>
+                <a:latin typeface="Times New Roman" panose="02020603050405020304" pitchFamily="18" charset="0"/>
+                <a:cs typeface="Times New Roman" panose="02020603050405020304" pitchFamily="18" charset="0"/>
+              </a:rPr>
+              <a:t>define</a:t>
+            </a:r>
+            <a:r>
+              <a:rPr lang="de-DE" dirty="0" smtClean="0">
+                <a:ln>
+                  <a:noFill/>
+                </a:ln>
+                <a:latin typeface="Times New Roman" panose="02020603050405020304" pitchFamily="18" charset="0"/>
+                <a:cs typeface="Times New Roman" panose="02020603050405020304" pitchFamily="18" charset="0"/>
+              </a:rPr>
+              <a:t> MAGIC_NUMBER 42 	-&gt; </a:t>
+            </a:r>
+            <a:r>
+              <a:rPr lang="de-DE" dirty="0" err="1" smtClean="0">
+                <a:ln>
+                  <a:noFill/>
+                </a:ln>
+                <a:latin typeface="Times New Roman" panose="02020603050405020304" pitchFamily="18" charset="0"/>
+                <a:cs typeface="Times New Roman" panose="02020603050405020304" pitchFamily="18" charset="0"/>
+              </a:rPr>
+              <a:t>int</a:t>
+            </a:r>
+            <a:r>
+              <a:rPr lang="de-DE" dirty="0" smtClean="0">
+                <a:ln>
+                  <a:noFill/>
+                </a:ln>
+                <a:latin typeface="Times New Roman" panose="02020603050405020304" pitchFamily="18" charset="0"/>
+                <a:cs typeface="Times New Roman" panose="02020603050405020304" pitchFamily="18" charset="0"/>
+              </a:rPr>
+              <a:t> ersetzen</a:t>
+            </a:r>
+          </a:p>
+          <a:p>
+            <a:pPr>
+              <a:spcAft>
+                <a:spcPts val="1200"/>
+              </a:spcAft>
+              <a:buFont typeface="Wingdings" panose="05000000000000000000" pitchFamily="2" charset="2"/>
+              <a:buChar char="Ø"/>
+            </a:pPr>
+            <a:r>
+              <a:rPr lang="de-DE" dirty="0" err="1" smtClean="0">
+                <a:ln>
+                  <a:noFill/>
+                </a:ln>
+                <a:latin typeface="Times New Roman" panose="02020603050405020304" pitchFamily="18" charset="0"/>
+                <a:cs typeface="Times New Roman" panose="02020603050405020304" pitchFamily="18" charset="0"/>
+              </a:rPr>
+              <a:t>Macro</a:t>
+            </a:r>
+            <a:r>
+              <a:rPr lang="de-DE" dirty="0" smtClean="0">
+                <a:ln>
+                  <a:noFill/>
+                </a:ln>
+                <a:latin typeface="Times New Roman" panose="02020603050405020304" pitchFamily="18" charset="0"/>
+                <a:cs typeface="Times New Roman" panose="02020603050405020304" pitchFamily="18" charset="0"/>
+              </a:rPr>
+              <a:t> als Funktion</a:t>
+            </a:r>
+          </a:p>
+          <a:p>
+            <a:pPr lvl="1">
+              <a:spcAft>
+                <a:spcPts val="1200"/>
+              </a:spcAft>
+              <a:buFont typeface="Wingdings" panose="05000000000000000000" pitchFamily="2" charset="2"/>
+              <a:buChar char="Ø"/>
+            </a:pPr>
+            <a:r>
+              <a:rPr lang="de-DE" dirty="0" smtClean="0">
+                <a:ln>
+                  <a:noFill/>
+                </a:ln>
+                <a:latin typeface="Times New Roman" panose="02020603050405020304" pitchFamily="18" charset="0"/>
+                <a:cs typeface="Times New Roman" panose="02020603050405020304" pitchFamily="18" charset="0"/>
+              </a:rPr>
+              <a:t>#</a:t>
+            </a:r>
+            <a:r>
+              <a:rPr lang="de-DE" dirty="0" err="1" smtClean="0">
+                <a:ln>
+                  <a:noFill/>
+                </a:ln>
+                <a:latin typeface="Times New Roman" panose="02020603050405020304" pitchFamily="18" charset="0"/>
+                <a:cs typeface="Times New Roman" panose="02020603050405020304" pitchFamily="18" charset="0"/>
+              </a:rPr>
+              <a:t>define</a:t>
+            </a:r>
+            <a:r>
+              <a:rPr lang="de-DE" dirty="0" smtClean="0">
+                <a:ln>
+                  <a:noFill/>
+                </a:ln>
+                <a:latin typeface="Times New Roman" panose="02020603050405020304" pitchFamily="18" charset="0"/>
+                <a:cs typeface="Times New Roman" panose="02020603050405020304" pitchFamily="18" charset="0"/>
+              </a:rPr>
+              <a:t> SQUARE(x) x * x</a:t>
+            </a:r>
+          </a:p>
+          <a:p>
+            <a:pPr lvl="1">
+              <a:spcAft>
+                <a:spcPts val="1200"/>
+              </a:spcAft>
+              <a:buFont typeface="Wingdings" panose="05000000000000000000" pitchFamily="2" charset="2"/>
+              <a:buChar char="Ø"/>
+            </a:pPr>
+            <a:r>
+              <a:rPr lang="de-DE" dirty="0">
+                <a:ln>
+                  <a:noFill/>
+                </a:ln>
+                <a:latin typeface="Times New Roman" panose="02020603050405020304" pitchFamily="18" charset="0"/>
+                <a:cs typeface="Times New Roman" panose="02020603050405020304" pitchFamily="18" charset="0"/>
+              </a:rPr>
+              <a:t>#</a:t>
+            </a:r>
+            <a:r>
+              <a:rPr lang="de-DE" dirty="0" err="1">
+                <a:ln>
+                  <a:noFill/>
+                </a:ln>
+                <a:latin typeface="Times New Roman" panose="02020603050405020304" pitchFamily="18" charset="0"/>
+                <a:cs typeface="Times New Roman" panose="02020603050405020304" pitchFamily="18" charset="0"/>
+              </a:rPr>
+              <a:t>define</a:t>
+            </a:r>
+            <a:r>
+              <a:rPr lang="de-DE" dirty="0">
+                <a:ln>
+                  <a:noFill/>
+                </a:ln>
+                <a:latin typeface="Times New Roman" panose="02020603050405020304" pitchFamily="18" charset="0"/>
+                <a:cs typeface="Times New Roman" panose="02020603050405020304" pitchFamily="18" charset="0"/>
+              </a:rPr>
+              <a:t> MULTIPLY_WITH_SQUARE_MAGIC_NUMBER(x) x * SQUARE(MAGIC_NUMBER</a:t>
+            </a:r>
+            <a:r>
+              <a:rPr lang="de-DE" dirty="0" smtClean="0">
+                <a:ln>
+                  <a:noFill/>
+                </a:ln>
+                <a:latin typeface="Times New Roman" panose="02020603050405020304" pitchFamily="18" charset="0"/>
+                <a:cs typeface="Times New Roman" panose="02020603050405020304" pitchFamily="18" charset="0"/>
+              </a:rPr>
+              <a:t>)</a:t>
+            </a:r>
+          </a:p>
+          <a:p>
+            <a:pPr lvl="1">
+              <a:spcAft>
+                <a:spcPts val="1200"/>
+              </a:spcAft>
+              <a:buFont typeface="Wingdings" panose="05000000000000000000" pitchFamily="2" charset="2"/>
+              <a:buChar char="Ø"/>
+            </a:pPr>
+            <a:r>
+              <a:rPr lang="de-DE" dirty="0" smtClean="0">
+                <a:ln>
+                  <a:noFill/>
+                </a:ln>
+                <a:latin typeface="Times New Roman" panose="02020603050405020304" pitchFamily="18" charset="0"/>
+                <a:cs typeface="Times New Roman" panose="02020603050405020304" pitchFamily="18" charset="0"/>
+              </a:rPr>
+              <a:t>#</a:t>
+            </a:r>
+            <a:r>
+              <a:rPr lang="de-DE" dirty="0" err="1" smtClean="0">
+                <a:ln>
+                  <a:noFill/>
+                </a:ln>
+                <a:latin typeface="Times New Roman" panose="02020603050405020304" pitchFamily="18" charset="0"/>
+                <a:cs typeface="Times New Roman" panose="02020603050405020304" pitchFamily="18" charset="0"/>
+              </a:rPr>
+              <a:t>define</a:t>
+            </a:r>
+            <a:r>
+              <a:rPr lang="de-DE" dirty="0" smtClean="0">
+                <a:ln>
+                  <a:noFill/>
+                </a:ln>
+                <a:latin typeface="Times New Roman" panose="02020603050405020304" pitchFamily="18" charset="0"/>
+                <a:cs typeface="Times New Roman" panose="02020603050405020304" pitchFamily="18" charset="0"/>
+              </a:rPr>
+              <a:t> DEBUG_LOG(TEXT) </a:t>
+            </a:r>
+            <a:r>
+              <a:rPr lang="de-DE" dirty="0" err="1" smtClean="0">
+                <a:ln>
+                  <a:noFill/>
+                </a:ln>
+                <a:latin typeface="Times New Roman" panose="02020603050405020304" pitchFamily="18" charset="0"/>
+                <a:cs typeface="Times New Roman" panose="02020603050405020304" pitchFamily="18" charset="0"/>
+              </a:rPr>
+              <a:t>cout</a:t>
+            </a:r>
+            <a:r>
+              <a:rPr lang="de-DE" dirty="0" smtClean="0">
+                <a:ln>
+                  <a:noFill/>
+                </a:ln>
+                <a:latin typeface="Times New Roman" panose="02020603050405020304" pitchFamily="18" charset="0"/>
+                <a:cs typeface="Times New Roman" panose="02020603050405020304" pitchFamily="18" charset="0"/>
+              </a:rPr>
+              <a:t> &lt;&lt; TEXT &lt;&lt; </a:t>
+            </a:r>
+            <a:r>
+              <a:rPr lang="de-DE" dirty="0" err="1" smtClean="0">
+                <a:ln>
+                  <a:noFill/>
+                </a:ln>
+                <a:latin typeface="Times New Roman" panose="02020603050405020304" pitchFamily="18" charset="0"/>
+                <a:cs typeface="Times New Roman" panose="02020603050405020304" pitchFamily="18" charset="0"/>
+              </a:rPr>
+              <a:t>endl</a:t>
+            </a:r>
+            <a:r>
+              <a:rPr lang="de-DE" dirty="0" smtClean="0">
+                <a:ln>
+                  <a:noFill/>
+                </a:ln>
+                <a:latin typeface="Times New Roman" panose="02020603050405020304" pitchFamily="18" charset="0"/>
+                <a:cs typeface="Times New Roman" panose="02020603050405020304" pitchFamily="18" charset="0"/>
+              </a:rPr>
+              <a:t>;</a:t>
+            </a:r>
+          </a:p>
+          <a:p>
+            <a:pPr>
+              <a:spcAft>
+                <a:spcPts val="1200"/>
+              </a:spcAft>
+              <a:buFont typeface="Wingdings" panose="05000000000000000000" pitchFamily="2" charset="2"/>
+              <a:buChar char="Ø"/>
+            </a:pPr>
+            <a:r>
+              <a:rPr lang="de-DE" dirty="0">
+                <a:ln>
+                  <a:noFill/>
+                </a:ln>
+                <a:latin typeface="Times New Roman" panose="02020603050405020304" pitchFamily="18" charset="0"/>
+                <a:cs typeface="Times New Roman" panose="02020603050405020304" pitchFamily="18" charset="0"/>
+              </a:rPr>
+              <a:t>m</a:t>
+            </a:r>
+            <a:r>
+              <a:rPr lang="de-DE" dirty="0" smtClean="0">
+                <a:ln>
+                  <a:noFill/>
+                </a:ln>
+                <a:latin typeface="Times New Roman" panose="02020603050405020304" pitchFamily="18" charset="0"/>
+                <a:cs typeface="Times New Roman" panose="02020603050405020304" pitchFamily="18" charset="0"/>
+              </a:rPr>
+              <a:t>ehrere Zeilen durch \ am Ende jeder Zeile</a:t>
+            </a:r>
+          </a:p>
+        </p:txBody>
+      </p:sp>
+    </p:spTree>
+    <p:extLst>
+      <p:ext uri="{BB962C8B-B14F-4D97-AF65-F5344CB8AC3E}">
+        <p14:creationId xmlns:p14="http://schemas.microsoft.com/office/powerpoint/2010/main" val="411092047"/>
+      </p:ext>
+    </p:extLst>
+  </p:cSld>
+  <p:clrMapOvr>
+    <a:masterClrMapping/>
+  </p:clrMapOvr>
+  <p:timing>
+    <p:tnLst>
+      <p:par>
+        <p:cTn id="1" dur="indefinite" restart="never" nodeType="tmRoot"/>
+      </p:par>
+    </p:tnLst>
+  </p:timing>
+</p:sld>
+</file>
+
+<file path=ppt/slides/slide17.xml><?xml version="1.0" encoding="utf-8"?>
+<p:sld xmlns:a="http://schemas.openxmlformats.org/drawingml/2006/main" xmlns:r="http://schemas.openxmlformats.org/officeDocument/2006/relationships" xmlns:p="http://schemas.openxmlformats.org/presentationml/2006/main">
+  <p:cSld>
+    <p:spTree>
+      <p:nvGrpSpPr>
+        <p:cNvPr id="1" name=""/>
+        <p:cNvGrpSpPr/>
+        <p:nvPr/>
+      </p:nvGrpSpPr>
+      <p:grpSpPr>
+        <a:xfrm>
+          <a:off x="0" y="0"/>
+          <a:ext cx="0" cy="0"/>
+          <a:chOff x="0" y="0"/>
+          <a:chExt cx="0" cy="0"/>
+        </a:xfrm>
+      </p:grpSpPr>
+      <p:sp>
+        <p:nvSpPr>
+          <p:cNvPr id="2" name="Titel 1"/>
+          <p:cNvSpPr>
+            <a:spLocks noGrp="1"/>
+          </p:cNvSpPr>
+          <p:nvPr>
+            <p:ph type="title"/>
+          </p:nvPr>
+        </p:nvSpPr>
+        <p:spPr>
+          <a:xfrm>
+            <a:off x="913795" y="152400"/>
+            <a:ext cx="10353762" cy="970450"/>
+          </a:xfrm>
+          <a:effectLst/>
+        </p:spPr>
+        <p:txBody>
+          <a:bodyPr>
+            <a:noAutofit/>
+          </a:bodyPr>
+          <a:lstStyle/>
+          <a:p>
+            <a:r>
+              <a:rPr lang="de-DE" sz="6000" u="sng" dirty="0" smtClean="0">
+                <a:latin typeface="Times New Roman" panose="02020603050405020304" pitchFamily="18" charset="0"/>
+                <a:cs typeface="Times New Roman" panose="02020603050405020304" pitchFamily="18" charset="0"/>
+              </a:rPr>
+              <a:t>Stack und Heap</a:t>
+            </a:r>
+            <a:endParaRPr lang="de-DE" sz="6000" u="sng" dirty="0">
+              <a:latin typeface="Times New Roman" panose="02020603050405020304" pitchFamily="18" charset="0"/>
+              <a:cs typeface="Times New Roman" panose="02020603050405020304" pitchFamily="18" charset="0"/>
+            </a:endParaRPr>
+          </a:p>
+        </p:txBody>
+      </p:sp>
+      <p:sp>
+        <p:nvSpPr>
+          <p:cNvPr id="3" name="Inhaltsplatzhalter 2"/>
+          <p:cNvSpPr>
+            <a:spLocks noGrp="1"/>
+          </p:cNvSpPr>
+          <p:nvPr>
+            <p:ph idx="1"/>
+          </p:nvPr>
+        </p:nvSpPr>
+        <p:spPr>
+          <a:xfrm>
+            <a:off x="913795" y="1566194"/>
+            <a:ext cx="10353762" cy="4734853"/>
+          </a:xfrm>
+          <a:effectLst/>
+        </p:spPr>
+        <p:txBody>
+          <a:bodyPr anchor="ctr">
+            <a:normAutofit/>
+          </a:bodyPr>
+          <a:lstStyle/>
+          <a:p>
+            <a:pPr>
+              <a:spcAft>
+                <a:spcPts val="1200"/>
+              </a:spcAft>
+              <a:buFont typeface="Wingdings" panose="05000000000000000000" pitchFamily="2" charset="2"/>
+              <a:buChar char="Ø"/>
+            </a:pPr>
+            <a:r>
+              <a:rPr lang="de-DE" sz="2800" dirty="0">
+                <a:ln>
+                  <a:noFill/>
+                </a:ln>
+                <a:latin typeface="Times New Roman" panose="02020603050405020304" pitchFamily="18" charset="0"/>
+                <a:cs typeface="Times New Roman" panose="02020603050405020304" pitchFamily="18" charset="0"/>
+              </a:rPr>
+              <a:t>a</a:t>
+            </a:r>
+            <a:r>
+              <a:rPr lang="de-DE" sz="2800" dirty="0" smtClean="0">
+                <a:ln>
+                  <a:noFill/>
+                </a:ln>
+                <a:latin typeface="Times New Roman" panose="02020603050405020304" pitchFamily="18" charset="0"/>
+                <a:cs typeface="Times New Roman" panose="02020603050405020304" pitchFamily="18" charset="0"/>
+              </a:rPr>
+              <a:t>llokieren (</a:t>
+            </a:r>
+            <a:r>
+              <a:rPr lang="de-DE" sz="2800" dirty="0" err="1" smtClean="0">
+                <a:ln>
+                  <a:noFill/>
+                </a:ln>
+                <a:latin typeface="Times New Roman" panose="02020603050405020304" pitchFamily="18" charset="0"/>
+                <a:cs typeface="Times New Roman" panose="02020603050405020304" pitchFamily="18" charset="0"/>
+              </a:rPr>
+              <a:t>allocate</a:t>
+            </a:r>
+            <a:r>
+              <a:rPr lang="de-DE" sz="2800" dirty="0" smtClean="0">
+                <a:ln>
+                  <a:noFill/>
+                </a:ln>
+                <a:latin typeface="Times New Roman" panose="02020603050405020304" pitchFamily="18" charset="0"/>
+                <a:cs typeface="Times New Roman" panose="02020603050405020304" pitchFamily="18" charset="0"/>
+              </a:rPr>
+              <a:t>) -&gt; Speicher geben lassen</a:t>
+            </a:r>
+          </a:p>
+          <a:p>
+            <a:pPr>
+              <a:spcAft>
+                <a:spcPts val="1200"/>
+              </a:spcAft>
+              <a:buFont typeface="Wingdings" panose="05000000000000000000" pitchFamily="2" charset="2"/>
+              <a:buChar char="Ø"/>
+            </a:pPr>
+            <a:r>
+              <a:rPr lang="de-DE" sz="2800" dirty="0" smtClean="0">
+                <a:ln>
+                  <a:noFill/>
+                </a:ln>
+                <a:latin typeface="Times New Roman" panose="02020603050405020304" pitchFamily="18" charset="0"/>
+                <a:cs typeface="Times New Roman" panose="02020603050405020304" pitchFamily="18" charset="0"/>
+              </a:rPr>
+              <a:t>Stack ist für temporären Speicher</a:t>
+            </a:r>
+          </a:p>
+          <a:p>
+            <a:pPr lvl="1">
+              <a:spcAft>
+                <a:spcPts val="1200"/>
+              </a:spcAft>
+              <a:buFont typeface="Wingdings" panose="05000000000000000000" pitchFamily="2" charset="2"/>
+              <a:buChar char="Ø"/>
+            </a:pPr>
+            <a:r>
+              <a:rPr lang="de-DE" sz="2400" dirty="0" err="1">
+                <a:ln>
+                  <a:noFill/>
+                </a:ln>
+                <a:latin typeface="Times New Roman" panose="02020603050405020304" pitchFamily="18" charset="0"/>
+                <a:cs typeface="Times New Roman" panose="02020603050405020304" pitchFamily="18" charset="0"/>
+              </a:rPr>
+              <a:t>l</a:t>
+            </a:r>
+            <a:r>
+              <a:rPr lang="de-DE" sz="2400" dirty="0" err="1" smtClean="0">
+                <a:ln>
+                  <a:noFill/>
+                </a:ln>
+                <a:latin typeface="Times New Roman" panose="02020603050405020304" pitchFamily="18" charset="0"/>
+                <a:cs typeface="Times New Roman" panose="02020603050405020304" pitchFamily="18" charset="0"/>
+              </a:rPr>
+              <a:t>ifo</a:t>
+            </a:r>
+            <a:r>
+              <a:rPr lang="de-DE" sz="2400" dirty="0" smtClean="0">
+                <a:ln>
+                  <a:noFill/>
+                </a:ln>
+                <a:latin typeface="Times New Roman" panose="02020603050405020304" pitchFamily="18" charset="0"/>
+                <a:cs typeface="Times New Roman" panose="02020603050405020304" pitchFamily="18" charset="0"/>
+              </a:rPr>
+              <a:t> (last in </a:t>
+            </a:r>
+            <a:r>
+              <a:rPr lang="de-DE" sz="2400" dirty="0" err="1" smtClean="0">
+                <a:ln>
+                  <a:noFill/>
+                </a:ln>
+                <a:latin typeface="Times New Roman" panose="02020603050405020304" pitchFamily="18" charset="0"/>
+                <a:cs typeface="Times New Roman" panose="02020603050405020304" pitchFamily="18" charset="0"/>
+              </a:rPr>
+              <a:t>first</a:t>
+            </a:r>
+            <a:r>
+              <a:rPr lang="de-DE" sz="2400" dirty="0" smtClean="0">
+                <a:ln>
+                  <a:noFill/>
+                </a:ln>
+                <a:latin typeface="Times New Roman" panose="02020603050405020304" pitchFamily="18" charset="0"/>
+                <a:cs typeface="Times New Roman" panose="02020603050405020304" pitchFamily="18" charset="0"/>
+              </a:rPr>
+              <a:t> out)</a:t>
+            </a:r>
+          </a:p>
+          <a:p>
+            <a:pPr lvl="1">
+              <a:spcAft>
+                <a:spcPts val="1200"/>
+              </a:spcAft>
+              <a:buFont typeface="Wingdings" panose="05000000000000000000" pitchFamily="2" charset="2"/>
+              <a:buChar char="Ø"/>
+            </a:pPr>
+            <a:r>
+              <a:rPr lang="de-DE" sz="2400" dirty="0">
+                <a:ln>
+                  <a:noFill/>
+                </a:ln>
+                <a:latin typeface="Times New Roman" panose="02020603050405020304" pitchFamily="18" charset="0"/>
+                <a:cs typeface="Times New Roman" panose="02020603050405020304" pitchFamily="18" charset="0"/>
+              </a:rPr>
+              <a:t>a</a:t>
+            </a:r>
+            <a:r>
+              <a:rPr lang="de-DE" sz="2400" dirty="0" smtClean="0">
+                <a:ln>
+                  <a:noFill/>
+                </a:ln>
+                <a:latin typeface="Times New Roman" panose="02020603050405020304" pitchFamily="18" charset="0"/>
+                <a:cs typeface="Times New Roman" panose="02020603050405020304" pitchFamily="18" charset="0"/>
+              </a:rPr>
+              <a:t>m Ende eines Scopes werden darin erstellte Variablen gelöscht</a:t>
+            </a:r>
+          </a:p>
+          <a:p>
+            <a:pPr lvl="1">
+              <a:spcAft>
+                <a:spcPts val="1200"/>
+              </a:spcAft>
+              <a:buFont typeface="Wingdings" panose="05000000000000000000" pitchFamily="2" charset="2"/>
+              <a:buChar char="Ø"/>
+            </a:pPr>
+            <a:r>
+              <a:rPr lang="de-DE" sz="2400" dirty="0">
+                <a:ln>
+                  <a:noFill/>
+                </a:ln>
+                <a:latin typeface="Times New Roman" panose="02020603050405020304" pitchFamily="18" charset="0"/>
+                <a:cs typeface="Times New Roman" panose="02020603050405020304" pitchFamily="18" charset="0"/>
+              </a:rPr>
+              <a:t>v</a:t>
+            </a:r>
+            <a:r>
+              <a:rPr lang="de-DE" sz="2400" dirty="0" smtClean="0">
+                <a:ln>
+                  <a:noFill/>
+                </a:ln>
+                <a:latin typeface="Times New Roman" panose="02020603050405020304" pitchFamily="18" charset="0"/>
+                <a:cs typeface="Times New Roman" panose="02020603050405020304" pitchFamily="18" charset="0"/>
+              </a:rPr>
+              <a:t>on der CPU </a:t>
+            </a:r>
+            <a:r>
+              <a:rPr lang="de-DE" sz="2400" dirty="0" err="1" smtClean="0">
+                <a:ln>
+                  <a:noFill/>
+                </a:ln>
+                <a:latin typeface="Times New Roman" panose="02020603050405020304" pitchFamily="18" charset="0"/>
+                <a:cs typeface="Times New Roman" panose="02020603050405020304" pitchFamily="18" charset="0"/>
+              </a:rPr>
+              <a:t>managed</a:t>
+            </a:r>
+            <a:endParaRPr lang="de-DE" sz="2400" dirty="0" smtClean="0">
+              <a:ln>
+                <a:noFill/>
+              </a:ln>
+              <a:latin typeface="Times New Roman" panose="02020603050405020304" pitchFamily="18" charset="0"/>
+              <a:cs typeface="Times New Roman" panose="02020603050405020304" pitchFamily="18" charset="0"/>
+            </a:endParaRPr>
+          </a:p>
+          <a:p>
+            <a:pPr lvl="1">
+              <a:spcAft>
+                <a:spcPts val="1200"/>
+              </a:spcAft>
+              <a:buFont typeface="Wingdings" panose="05000000000000000000" pitchFamily="2" charset="2"/>
+              <a:buChar char="Ø"/>
+            </a:pPr>
+            <a:r>
+              <a:rPr lang="de-DE" sz="2400" dirty="0" smtClean="0">
+                <a:ln>
+                  <a:noFill/>
+                </a:ln>
+                <a:latin typeface="Times New Roman" panose="02020603050405020304" pitchFamily="18" charset="0"/>
+                <a:cs typeface="Times New Roman" panose="02020603050405020304" pitchFamily="18" charset="0"/>
+              </a:rPr>
+              <a:t>Schneller Zugriff</a:t>
+            </a:r>
+          </a:p>
+          <a:p>
+            <a:pPr lvl="1">
+              <a:spcAft>
+                <a:spcPts val="1200"/>
+              </a:spcAft>
+              <a:buFont typeface="Wingdings" panose="05000000000000000000" pitchFamily="2" charset="2"/>
+              <a:buChar char="Ø"/>
+            </a:pPr>
+            <a:r>
+              <a:rPr lang="de-DE" sz="2400" dirty="0" smtClean="0">
+                <a:ln>
+                  <a:noFill/>
+                </a:ln>
+                <a:latin typeface="Times New Roman" panose="02020603050405020304" pitchFamily="18" charset="0"/>
+                <a:cs typeface="Times New Roman" panose="02020603050405020304" pitchFamily="18" charset="0"/>
+              </a:rPr>
+              <a:t>Speicher begrenzt</a:t>
+            </a:r>
+          </a:p>
+        </p:txBody>
+      </p:sp>
+    </p:spTree>
+    <p:extLst>
+      <p:ext uri="{BB962C8B-B14F-4D97-AF65-F5344CB8AC3E}">
+        <p14:creationId xmlns:p14="http://schemas.microsoft.com/office/powerpoint/2010/main" val="15552229"/>
+      </p:ext>
+    </p:extLst>
+  </p:cSld>
+  <p:clrMapOvr>
+    <a:masterClrMapping/>
+  </p:clrMapOvr>
+  <p:timing>
+    <p:tnLst>
+      <p:par>
+        <p:cTn id="1" dur="indefinite" restart="never" nodeType="tmRoot"/>
+      </p:par>
+    </p:tnLst>
+  </p:timing>
+</p:sld>
+</file>
+
+<file path=ppt/slides/slide18.xml><?xml version="1.0" encoding="utf-8"?>
+<p:sld xmlns:a="http://schemas.openxmlformats.org/drawingml/2006/main" xmlns:r="http://schemas.openxmlformats.org/officeDocument/2006/relationships" xmlns:p="http://schemas.openxmlformats.org/presentationml/2006/main">
+  <p:cSld>
+    <p:spTree>
+      <p:nvGrpSpPr>
+        <p:cNvPr id="1" name=""/>
+        <p:cNvGrpSpPr/>
+        <p:nvPr/>
+      </p:nvGrpSpPr>
+      <p:grpSpPr>
+        <a:xfrm>
+          <a:off x="0" y="0"/>
+          <a:ext cx="0" cy="0"/>
+          <a:chOff x="0" y="0"/>
+          <a:chExt cx="0" cy="0"/>
+        </a:xfrm>
+      </p:grpSpPr>
+      <p:sp>
+        <p:nvSpPr>
+          <p:cNvPr id="2" name="Titel 1"/>
+          <p:cNvSpPr>
+            <a:spLocks noGrp="1"/>
+          </p:cNvSpPr>
+          <p:nvPr>
+            <p:ph type="title"/>
+          </p:nvPr>
+        </p:nvSpPr>
+        <p:spPr>
+          <a:xfrm>
+            <a:off x="913795" y="152400"/>
+            <a:ext cx="10353762" cy="970450"/>
+          </a:xfrm>
+          <a:effectLst/>
+        </p:spPr>
+        <p:txBody>
+          <a:bodyPr>
+            <a:noAutofit/>
+          </a:bodyPr>
+          <a:lstStyle/>
+          <a:p>
+            <a:r>
+              <a:rPr lang="de-DE" sz="6000" u="sng" dirty="0" smtClean="0">
+                <a:latin typeface="Times New Roman" panose="02020603050405020304" pitchFamily="18" charset="0"/>
+                <a:cs typeface="Times New Roman" panose="02020603050405020304" pitchFamily="18" charset="0"/>
+              </a:rPr>
+              <a:t>Stack und Heap</a:t>
+            </a:r>
+            <a:endParaRPr lang="de-DE" sz="6000" u="sng" dirty="0">
+              <a:latin typeface="Times New Roman" panose="02020603050405020304" pitchFamily="18" charset="0"/>
+              <a:cs typeface="Times New Roman" panose="02020603050405020304" pitchFamily="18" charset="0"/>
+            </a:endParaRPr>
+          </a:p>
+        </p:txBody>
+      </p:sp>
+      <p:sp>
+        <p:nvSpPr>
+          <p:cNvPr id="3" name="Inhaltsplatzhalter 2"/>
+          <p:cNvSpPr>
+            <a:spLocks noGrp="1"/>
+          </p:cNvSpPr>
+          <p:nvPr>
+            <p:ph idx="1"/>
+          </p:nvPr>
+        </p:nvSpPr>
+        <p:spPr>
+          <a:xfrm>
+            <a:off x="913795" y="1566194"/>
+            <a:ext cx="10353762" cy="4734853"/>
+          </a:xfrm>
+          <a:effectLst/>
+        </p:spPr>
+        <p:txBody>
+          <a:bodyPr anchor="ctr">
+            <a:normAutofit/>
+          </a:bodyPr>
+          <a:lstStyle/>
+          <a:p>
+            <a:pPr>
+              <a:spcAft>
+                <a:spcPts val="1200"/>
+              </a:spcAft>
+              <a:buFont typeface="Wingdings" panose="05000000000000000000" pitchFamily="2" charset="2"/>
+              <a:buChar char="Ø"/>
+            </a:pPr>
+            <a:r>
+              <a:rPr lang="de-DE" sz="2800" dirty="0" smtClean="0">
+                <a:ln>
+                  <a:noFill/>
+                </a:ln>
+                <a:latin typeface="Times New Roman" panose="02020603050405020304" pitchFamily="18" charset="0"/>
+                <a:cs typeface="Times New Roman" panose="02020603050405020304" pitchFamily="18" charset="0"/>
+              </a:rPr>
+              <a:t>Heap ist für festen Speicher</a:t>
+            </a:r>
+          </a:p>
+          <a:p>
+            <a:pPr lvl="1">
+              <a:spcAft>
+                <a:spcPts val="1200"/>
+              </a:spcAft>
+              <a:buFont typeface="Wingdings" panose="05000000000000000000" pitchFamily="2" charset="2"/>
+              <a:buChar char="Ø"/>
+            </a:pPr>
+            <a:r>
+              <a:rPr lang="de-DE" sz="2600" dirty="0" smtClean="0">
+                <a:ln>
+                  <a:noFill/>
+                </a:ln>
+                <a:latin typeface="Times New Roman" panose="02020603050405020304" pitchFamily="18" charset="0"/>
+                <a:cs typeface="Times New Roman" panose="02020603050405020304" pitchFamily="18" charset="0"/>
+              </a:rPr>
+              <a:t>Speicher (unbegrenzt)</a:t>
+            </a:r>
+          </a:p>
+          <a:p>
+            <a:pPr lvl="1">
+              <a:spcAft>
+                <a:spcPts val="1200"/>
+              </a:spcAft>
+              <a:buFont typeface="Wingdings" panose="05000000000000000000" pitchFamily="2" charset="2"/>
+              <a:buChar char="Ø"/>
+            </a:pPr>
+            <a:r>
+              <a:rPr lang="de-DE" sz="2600" dirty="0" smtClean="0">
+                <a:ln>
+                  <a:noFill/>
+                </a:ln>
+                <a:latin typeface="Times New Roman" panose="02020603050405020304" pitchFamily="18" charset="0"/>
+                <a:cs typeface="Times New Roman" panose="02020603050405020304" pitchFamily="18" charset="0"/>
+              </a:rPr>
+              <a:t>Variablen bleiben erhalten bis löschen</a:t>
+            </a:r>
+          </a:p>
+          <a:p>
+            <a:pPr lvl="1">
+              <a:spcAft>
+                <a:spcPts val="1200"/>
+              </a:spcAft>
+              <a:buFont typeface="Wingdings" panose="05000000000000000000" pitchFamily="2" charset="2"/>
+              <a:buChar char="Ø"/>
+            </a:pPr>
+            <a:r>
+              <a:rPr lang="de-DE" sz="2600" dirty="0">
+                <a:ln>
+                  <a:noFill/>
+                </a:ln>
+                <a:latin typeface="Times New Roman" panose="02020603050405020304" pitchFamily="18" charset="0"/>
+                <a:cs typeface="Times New Roman" panose="02020603050405020304" pitchFamily="18" charset="0"/>
+              </a:rPr>
+              <a:t>k</a:t>
+            </a:r>
+            <a:r>
+              <a:rPr lang="de-DE" sz="2600" dirty="0" smtClean="0">
+                <a:ln>
+                  <a:noFill/>
+                </a:ln>
+                <a:latin typeface="Times New Roman" panose="02020603050405020304" pitchFamily="18" charset="0"/>
+                <a:cs typeface="Times New Roman" panose="02020603050405020304" pitchFamily="18" charset="0"/>
+              </a:rPr>
+              <a:t>ein Management</a:t>
+            </a:r>
+          </a:p>
+          <a:p>
+            <a:pPr lvl="1">
+              <a:spcAft>
+                <a:spcPts val="1200"/>
+              </a:spcAft>
+              <a:buFont typeface="Wingdings" panose="05000000000000000000" pitchFamily="2" charset="2"/>
+              <a:buChar char="Ø"/>
+            </a:pPr>
+            <a:endParaRPr lang="de-DE" sz="2600" dirty="0" smtClean="0">
+              <a:ln>
+                <a:noFill/>
+              </a:ln>
+              <a:latin typeface="Times New Roman" panose="02020603050405020304" pitchFamily="18" charset="0"/>
+              <a:cs typeface="Times New Roman" panose="02020603050405020304" pitchFamily="18" charset="0"/>
+            </a:endParaRPr>
+          </a:p>
+        </p:txBody>
+      </p:sp>
+    </p:spTree>
+    <p:extLst>
+      <p:ext uri="{BB962C8B-B14F-4D97-AF65-F5344CB8AC3E}">
+        <p14:creationId xmlns:p14="http://schemas.microsoft.com/office/powerpoint/2010/main" val="3955319726"/>
+      </p:ext>
+    </p:extLst>
+  </p:cSld>
+  <p:clrMapOvr>
+    <a:masterClrMapping/>
+  </p:clrMapOvr>
+  <p:timing>
+    <p:tnLst>
+      <p:par>
+        <p:cTn id="1" dur="indefinite" restart="never" nodeType="tmRoot"/>
+      </p:par>
+    </p:tnLst>
+  </p:timing>
+</p:sld>
+</file>
+
+<file path=ppt/slides/slide19.xml><?xml version="1.0" encoding="utf-8"?>
+<p:sld xmlns:a="http://schemas.openxmlformats.org/drawingml/2006/main" xmlns:r="http://schemas.openxmlformats.org/officeDocument/2006/relationships" xmlns:p="http://schemas.openxmlformats.org/presentationml/2006/main">
+  <p:cSld>
+    <p:spTree>
+      <p:nvGrpSpPr>
+        <p:cNvPr id="1" name=""/>
+        <p:cNvGrpSpPr/>
+        <p:nvPr/>
+      </p:nvGrpSpPr>
+      <p:grpSpPr>
+        <a:xfrm>
+          <a:off x="0" y="0"/>
+          <a:ext cx="0" cy="0"/>
+          <a:chOff x="0" y="0"/>
+          <a:chExt cx="0" cy="0"/>
+        </a:xfrm>
+      </p:grpSpPr>
+      <p:sp>
+        <p:nvSpPr>
+          <p:cNvPr id="2" name="Titel 1"/>
+          <p:cNvSpPr>
+            <a:spLocks noGrp="1"/>
+          </p:cNvSpPr>
+          <p:nvPr>
+            <p:ph type="title"/>
+          </p:nvPr>
+        </p:nvSpPr>
+        <p:spPr>
+          <a:xfrm>
+            <a:off x="913795" y="152400"/>
+            <a:ext cx="10353762" cy="970450"/>
+          </a:xfrm>
+          <a:effectLst/>
+        </p:spPr>
+        <p:txBody>
+          <a:bodyPr>
+            <a:noAutofit/>
+          </a:bodyPr>
+          <a:lstStyle/>
+          <a:p>
+            <a:r>
+              <a:rPr lang="de-DE" sz="6000" u="sng" dirty="0" smtClean="0">
+                <a:latin typeface="Times New Roman" panose="02020603050405020304" pitchFamily="18" charset="0"/>
+                <a:cs typeface="Times New Roman" panose="02020603050405020304" pitchFamily="18" charset="0"/>
+              </a:rPr>
+              <a:t>Pointer</a:t>
+            </a:r>
+            <a:endParaRPr lang="de-DE" sz="6000" u="sng" dirty="0">
+              <a:latin typeface="Times New Roman" panose="02020603050405020304" pitchFamily="18" charset="0"/>
+              <a:cs typeface="Times New Roman" panose="02020603050405020304" pitchFamily="18" charset="0"/>
+            </a:endParaRPr>
+          </a:p>
+        </p:txBody>
+      </p:sp>
+      <p:sp>
+        <p:nvSpPr>
+          <p:cNvPr id="3" name="Inhaltsplatzhalter 2"/>
+          <p:cNvSpPr>
+            <a:spLocks noGrp="1"/>
+          </p:cNvSpPr>
+          <p:nvPr>
+            <p:ph idx="1"/>
+          </p:nvPr>
+        </p:nvSpPr>
+        <p:spPr>
+          <a:xfrm>
+            <a:off x="913795" y="1566194"/>
+            <a:ext cx="10353762" cy="4734853"/>
+          </a:xfrm>
+          <a:effectLst/>
+        </p:spPr>
+        <p:txBody>
+          <a:bodyPr anchor="ctr">
+            <a:normAutofit/>
+          </a:bodyPr>
+          <a:lstStyle/>
+          <a:p>
+            <a:pPr>
+              <a:spcAft>
+                <a:spcPts val="1200"/>
+              </a:spcAft>
+              <a:buFont typeface="Wingdings" panose="05000000000000000000" pitchFamily="2" charset="2"/>
+              <a:buChar char="Ø"/>
+            </a:pPr>
+            <a:r>
+              <a:rPr lang="de-DE" sz="2800" dirty="0" smtClean="0">
+                <a:ln>
+                  <a:noFill/>
+                </a:ln>
+                <a:latin typeface="Times New Roman" panose="02020603050405020304" pitchFamily="18" charset="0"/>
+                <a:cs typeface="Times New Roman" panose="02020603050405020304" pitchFamily="18" charset="0"/>
+              </a:rPr>
+              <a:t>Größe: </a:t>
+            </a:r>
+            <a:r>
+              <a:rPr lang="de-DE" sz="2800" dirty="0" err="1" smtClean="0">
+                <a:ln>
+                  <a:noFill/>
+                </a:ln>
+                <a:latin typeface="Times New Roman" panose="02020603050405020304" pitchFamily="18" charset="0"/>
+                <a:cs typeface="Times New Roman" panose="02020603050405020304" pitchFamily="18" charset="0"/>
+              </a:rPr>
+              <a:t>int</a:t>
+            </a:r>
+            <a:endParaRPr lang="de-DE" sz="2800" dirty="0" smtClean="0">
+              <a:ln>
+                <a:noFill/>
+              </a:ln>
+              <a:latin typeface="Times New Roman" panose="02020603050405020304" pitchFamily="18" charset="0"/>
+              <a:cs typeface="Times New Roman" panose="02020603050405020304" pitchFamily="18" charset="0"/>
+            </a:endParaRPr>
+          </a:p>
+          <a:p>
+            <a:pPr>
+              <a:spcAft>
+                <a:spcPts val="1200"/>
+              </a:spcAft>
+              <a:buFont typeface="Wingdings" panose="05000000000000000000" pitchFamily="2" charset="2"/>
+              <a:buChar char="Ø"/>
+            </a:pPr>
+            <a:r>
+              <a:rPr lang="de-DE" sz="2800" dirty="0">
+                <a:ln>
+                  <a:noFill/>
+                </a:ln>
+                <a:latin typeface="Times New Roman" panose="02020603050405020304" pitchFamily="18" charset="0"/>
+                <a:cs typeface="Times New Roman" panose="02020603050405020304" pitchFamily="18" charset="0"/>
+              </a:rPr>
+              <a:t>l</a:t>
+            </a:r>
+            <a:r>
+              <a:rPr lang="de-DE" sz="2800" dirty="0" smtClean="0">
+                <a:ln>
+                  <a:noFill/>
+                </a:ln>
+                <a:latin typeface="Times New Roman" panose="02020603050405020304" pitchFamily="18" charset="0"/>
+                <a:cs typeface="Times New Roman" panose="02020603050405020304" pitchFamily="18" charset="0"/>
+              </a:rPr>
+              <a:t>iegen im Stack</a:t>
+            </a:r>
+          </a:p>
+          <a:p>
+            <a:pPr>
+              <a:spcAft>
+                <a:spcPts val="1200"/>
+              </a:spcAft>
+              <a:buFont typeface="Wingdings" panose="05000000000000000000" pitchFamily="2" charset="2"/>
+              <a:buChar char="Ø"/>
+            </a:pPr>
+            <a:r>
+              <a:rPr lang="de-DE" sz="2800" dirty="0">
+                <a:ln>
+                  <a:noFill/>
+                </a:ln>
+                <a:latin typeface="Times New Roman" panose="02020603050405020304" pitchFamily="18" charset="0"/>
+                <a:cs typeface="Times New Roman" panose="02020603050405020304" pitchFamily="18" charset="0"/>
+              </a:rPr>
+              <a:t>z</a:t>
+            </a:r>
+            <a:r>
+              <a:rPr lang="de-DE" sz="2800" dirty="0" smtClean="0">
+                <a:ln>
+                  <a:noFill/>
+                </a:ln>
+                <a:latin typeface="Times New Roman" panose="02020603050405020304" pitchFamily="18" charset="0"/>
+                <a:cs typeface="Times New Roman" panose="02020603050405020304" pitchFamily="18" charset="0"/>
+              </a:rPr>
+              <a:t>eigen auf eine Variable im Heap</a:t>
+            </a:r>
+          </a:p>
+          <a:p>
+            <a:pPr>
+              <a:spcAft>
+                <a:spcPts val="1200"/>
+              </a:spcAft>
+              <a:buFont typeface="Wingdings" panose="05000000000000000000" pitchFamily="2" charset="2"/>
+              <a:buChar char="Ø"/>
+            </a:pPr>
+            <a:r>
+              <a:rPr lang="de-DE" sz="2800" dirty="0">
+                <a:ln>
+                  <a:noFill/>
+                </a:ln>
+                <a:latin typeface="Times New Roman" panose="02020603050405020304" pitchFamily="18" charset="0"/>
+                <a:cs typeface="Times New Roman" panose="02020603050405020304" pitchFamily="18" charset="0"/>
+              </a:rPr>
+              <a:t>w</a:t>
+            </a:r>
+            <a:r>
+              <a:rPr lang="de-DE" sz="2800" dirty="0" smtClean="0">
+                <a:ln>
+                  <a:noFill/>
+                </a:ln>
+                <a:latin typeface="Times New Roman" panose="02020603050405020304" pitchFamily="18" charset="0"/>
+                <a:cs typeface="Times New Roman" panose="02020603050405020304" pitchFamily="18" charset="0"/>
+              </a:rPr>
+              <a:t>erden mit </a:t>
+            </a:r>
+            <a:r>
+              <a:rPr lang="de-DE" sz="2800" dirty="0" err="1" smtClean="0">
+                <a:ln>
+                  <a:noFill/>
+                </a:ln>
+                <a:latin typeface="Times New Roman" panose="02020603050405020304" pitchFamily="18" charset="0"/>
+                <a:cs typeface="Times New Roman" panose="02020603050405020304" pitchFamily="18" charset="0"/>
+              </a:rPr>
+              <a:t>new</a:t>
+            </a:r>
+            <a:r>
+              <a:rPr lang="de-DE" sz="2800" dirty="0" smtClean="0">
+                <a:ln>
+                  <a:noFill/>
+                </a:ln>
+                <a:latin typeface="Times New Roman" panose="02020603050405020304" pitchFamily="18" charset="0"/>
+                <a:cs typeface="Times New Roman" panose="02020603050405020304" pitchFamily="18" charset="0"/>
+              </a:rPr>
+              <a:t> erzeugt</a:t>
+            </a:r>
+          </a:p>
+          <a:p>
+            <a:pPr lvl="1">
+              <a:spcAft>
+                <a:spcPts val="1200"/>
+              </a:spcAft>
+              <a:buFont typeface="Wingdings" panose="05000000000000000000" pitchFamily="2" charset="2"/>
+              <a:buChar char="Ø"/>
+            </a:pPr>
+            <a:r>
+              <a:rPr lang="de-DE" sz="2400" dirty="0">
+                <a:ln>
+                  <a:noFill/>
+                </a:ln>
+                <a:latin typeface="Times New Roman" panose="02020603050405020304" pitchFamily="18" charset="0"/>
+                <a:cs typeface="Times New Roman" panose="02020603050405020304" pitchFamily="18" charset="0"/>
+              </a:rPr>
+              <a:t>z</a:t>
+            </a:r>
+            <a:r>
+              <a:rPr lang="de-DE" sz="2400" dirty="0" smtClean="0">
+                <a:ln>
+                  <a:noFill/>
+                </a:ln>
+                <a:latin typeface="Times New Roman" panose="02020603050405020304" pitchFamily="18" charset="0"/>
+                <a:cs typeface="Times New Roman" panose="02020603050405020304" pitchFamily="18" charset="0"/>
+              </a:rPr>
+              <a:t>ur selben Zeit wird die Variable im Heap erzeugt</a:t>
+            </a:r>
+          </a:p>
+          <a:p>
+            <a:pPr>
+              <a:spcAft>
+                <a:spcPts val="1200"/>
+              </a:spcAft>
+              <a:buFont typeface="Wingdings" panose="05000000000000000000" pitchFamily="2" charset="2"/>
+              <a:buChar char="Ø"/>
+            </a:pPr>
+            <a:r>
+              <a:rPr lang="de-DE" sz="2600" dirty="0">
+                <a:ln>
+                  <a:noFill/>
+                </a:ln>
+                <a:latin typeface="Times New Roman" panose="02020603050405020304" pitchFamily="18" charset="0"/>
+                <a:cs typeface="Times New Roman" panose="02020603050405020304" pitchFamily="18" charset="0"/>
+              </a:rPr>
+              <a:t>m</a:t>
+            </a:r>
+            <a:r>
+              <a:rPr lang="de-DE" sz="2600" dirty="0" smtClean="0">
+                <a:ln>
+                  <a:noFill/>
+                </a:ln>
+                <a:latin typeface="Times New Roman" panose="02020603050405020304" pitchFamily="18" charset="0"/>
+                <a:cs typeface="Times New Roman" panose="02020603050405020304" pitchFamily="18" charset="0"/>
+              </a:rPr>
+              <a:t>uss </a:t>
+            </a:r>
+            <a:r>
+              <a:rPr lang="de-DE" sz="2800" dirty="0" smtClean="0">
+                <a:ln>
+                  <a:noFill/>
+                </a:ln>
+                <a:latin typeface="Times New Roman" panose="02020603050405020304" pitchFamily="18" charset="0"/>
+                <a:cs typeface="Times New Roman" panose="02020603050405020304" pitchFamily="18" charset="0"/>
+              </a:rPr>
+              <a:t>mit</a:t>
+            </a:r>
+            <a:r>
+              <a:rPr lang="de-DE" sz="2600" dirty="0" smtClean="0">
+                <a:ln>
+                  <a:noFill/>
+                </a:ln>
+                <a:latin typeface="Times New Roman" panose="02020603050405020304" pitchFamily="18" charset="0"/>
+                <a:cs typeface="Times New Roman" panose="02020603050405020304" pitchFamily="18" charset="0"/>
+              </a:rPr>
+              <a:t> </a:t>
+            </a:r>
+            <a:r>
+              <a:rPr lang="de-DE" sz="2600" dirty="0" err="1" smtClean="0">
+                <a:ln>
+                  <a:noFill/>
+                </a:ln>
+                <a:latin typeface="Times New Roman" panose="02020603050405020304" pitchFamily="18" charset="0"/>
+                <a:cs typeface="Times New Roman" panose="02020603050405020304" pitchFamily="18" charset="0"/>
+              </a:rPr>
+              <a:t>delete</a:t>
+            </a:r>
+            <a:r>
+              <a:rPr lang="de-DE" sz="2600" dirty="0" smtClean="0">
+                <a:ln>
+                  <a:noFill/>
+                </a:ln>
+                <a:latin typeface="Times New Roman" panose="02020603050405020304" pitchFamily="18" charset="0"/>
+                <a:cs typeface="Times New Roman" panose="02020603050405020304" pitchFamily="18" charset="0"/>
+              </a:rPr>
+              <a:t> gelöscht werden</a:t>
+            </a:r>
+          </a:p>
+          <a:p>
+            <a:pPr lvl="1">
+              <a:spcAft>
+                <a:spcPts val="1200"/>
+              </a:spcAft>
+              <a:buFont typeface="Wingdings" panose="05000000000000000000" pitchFamily="2" charset="2"/>
+              <a:buChar char="Ø"/>
+            </a:pPr>
+            <a:r>
+              <a:rPr lang="de-DE" sz="2400" dirty="0">
+                <a:ln>
+                  <a:noFill/>
+                </a:ln>
+                <a:latin typeface="Times New Roman" panose="02020603050405020304" pitchFamily="18" charset="0"/>
+                <a:cs typeface="Times New Roman" panose="02020603050405020304" pitchFamily="18" charset="0"/>
+              </a:rPr>
+              <a:t>d</a:t>
+            </a:r>
+            <a:r>
+              <a:rPr lang="de-DE" sz="2400" dirty="0" smtClean="0">
+                <a:ln>
+                  <a:noFill/>
+                </a:ln>
+                <a:latin typeface="Times New Roman" panose="02020603050405020304" pitchFamily="18" charset="0"/>
+                <a:cs typeface="Times New Roman" panose="02020603050405020304" pitchFamily="18" charset="0"/>
+              </a:rPr>
+              <a:t>er Speicher im Heap wir dadurch wieder frei gegeben</a:t>
+            </a:r>
+          </a:p>
+          <a:p>
+            <a:pPr lvl="1">
+              <a:spcAft>
+                <a:spcPts val="1200"/>
+              </a:spcAft>
+              <a:buFont typeface="Wingdings" panose="05000000000000000000" pitchFamily="2" charset="2"/>
+              <a:buChar char="Ø"/>
+            </a:pPr>
+            <a:endParaRPr lang="de-DE" sz="2600" dirty="0" smtClean="0">
+              <a:ln>
+                <a:noFill/>
+              </a:ln>
+              <a:latin typeface="Times New Roman" panose="02020603050405020304" pitchFamily="18" charset="0"/>
+              <a:cs typeface="Times New Roman" panose="02020603050405020304" pitchFamily="18" charset="0"/>
+            </a:endParaRPr>
+          </a:p>
+        </p:txBody>
+      </p:sp>
+    </p:spTree>
+    <p:extLst>
+      <p:ext uri="{BB962C8B-B14F-4D97-AF65-F5344CB8AC3E}">
+        <p14:creationId xmlns:p14="http://schemas.microsoft.com/office/powerpoint/2010/main" val="2841599136"/>
+      </p:ext>
+    </p:extLst>
+  </p:cSld>
+  <p:clrMapOvr>
+    <a:masterClrMapping/>
+  </p:clrMapOvr>
+  <p:timing>
+    <p:tnLst>
+      <p:par>
+        <p:cTn id="1" dur="indefinite" restart="never" nodeType="tmRoot"/>
+      </p:par>
+    </p:tnLst>
+  </p:timing>
+</p:sld>
+</file>
+
 <file path=ppt/slides/slide2.xml><?xml version="1.0" encoding="utf-8"?>
 <p:sld xmlns:a="http://schemas.openxmlformats.org/drawingml/2006/main" xmlns:r="http://schemas.openxmlformats.org/officeDocument/2006/relationships" xmlns:p="http://schemas.openxmlformats.org/presentationml/2006/main">
   <p:cSld>
@@ -9607,6 +12160,976 @@
     <p:extLst>
       <p:ext uri="{BB962C8B-B14F-4D97-AF65-F5344CB8AC3E}">
         <p14:creationId xmlns:p14="http://schemas.microsoft.com/office/powerpoint/2010/main" val="2121676759"/>
+      </p:ext>
+    </p:extLst>
+  </p:cSld>
+  <p:clrMapOvr>
+    <a:masterClrMapping/>
+  </p:clrMapOvr>
+  <p:timing>
+    <p:tnLst>
+      <p:par>
+        <p:cTn id="1" dur="indefinite" restart="never" nodeType="tmRoot"/>
+      </p:par>
+    </p:tnLst>
+  </p:timing>
+</p:sld>
+</file>
+
+<file path=ppt/slides/slide20.xml><?xml version="1.0" encoding="utf-8"?>
+<p:sld xmlns:a="http://schemas.openxmlformats.org/drawingml/2006/main" xmlns:r="http://schemas.openxmlformats.org/officeDocument/2006/relationships" xmlns:p="http://schemas.openxmlformats.org/presentationml/2006/main">
+  <p:cSld>
+    <p:spTree>
+      <p:nvGrpSpPr>
+        <p:cNvPr id="1" name=""/>
+        <p:cNvGrpSpPr/>
+        <p:nvPr/>
+      </p:nvGrpSpPr>
+      <p:grpSpPr>
+        <a:xfrm>
+          <a:off x="0" y="0"/>
+          <a:ext cx="0" cy="0"/>
+          <a:chOff x="0" y="0"/>
+          <a:chExt cx="0" cy="0"/>
+        </a:xfrm>
+      </p:grpSpPr>
+      <p:sp>
+        <p:nvSpPr>
+          <p:cNvPr id="2" name="Titel 1"/>
+          <p:cNvSpPr>
+            <a:spLocks noGrp="1"/>
+          </p:cNvSpPr>
+          <p:nvPr>
+            <p:ph type="title"/>
+          </p:nvPr>
+        </p:nvSpPr>
+        <p:spPr>
+          <a:xfrm>
+            <a:off x="913795" y="152400"/>
+            <a:ext cx="10353762" cy="970450"/>
+          </a:xfrm>
+          <a:effectLst/>
+        </p:spPr>
+        <p:txBody>
+          <a:bodyPr>
+            <a:noAutofit/>
+          </a:bodyPr>
+          <a:lstStyle/>
+          <a:p>
+            <a:r>
+              <a:rPr lang="de-DE" sz="6000" u="sng" dirty="0" smtClean="0">
+                <a:latin typeface="Times New Roman" panose="02020603050405020304" pitchFamily="18" charset="0"/>
+                <a:cs typeface="Times New Roman" panose="02020603050405020304" pitchFamily="18" charset="0"/>
+              </a:rPr>
+              <a:t>Pointer</a:t>
+            </a:r>
+            <a:endParaRPr lang="de-DE" sz="6000" u="sng" dirty="0">
+              <a:latin typeface="Times New Roman" panose="02020603050405020304" pitchFamily="18" charset="0"/>
+              <a:cs typeface="Times New Roman" panose="02020603050405020304" pitchFamily="18" charset="0"/>
+            </a:endParaRPr>
+          </a:p>
+        </p:txBody>
+      </p:sp>
+      <p:sp>
+        <p:nvSpPr>
+          <p:cNvPr id="3" name="Inhaltsplatzhalter 2"/>
+          <p:cNvSpPr>
+            <a:spLocks noGrp="1"/>
+          </p:cNvSpPr>
+          <p:nvPr>
+            <p:ph idx="1"/>
+          </p:nvPr>
+        </p:nvSpPr>
+        <p:spPr>
+          <a:xfrm>
+            <a:off x="913795" y="1566194"/>
+            <a:ext cx="10353762" cy="4734853"/>
+          </a:xfrm>
+          <a:effectLst/>
+        </p:spPr>
+        <p:txBody>
+          <a:bodyPr anchor="ctr">
+            <a:normAutofit/>
+          </a:bodyPr>
+          <a:lstStyle/>
+          <a:p>
+            <a:pPr>
+              <a:spcAft>
+                <a:spcPts val="1200"/>
+              </a:spcAft>
+              <a:buFont typeface="Wingdings" panose="05000000000000000000" pitchFamily="2" charset="2"/>
+              <a:buChar char="Ø"/>
+            </a:pPr>
+            <a:r>
+              <a:rPr lang="de-DE" sz="2800" dirty="0" smtClean="0">
+                <a:ln>
+                  <a:noFill/>
+                </a:ln>
+                <a:latin typeface="Times New Roman" panose="02020603050405020304" pitchFamily="18" charset="0"/>
+                <a:cs typeface="Times New Roman" panose="02020603050405020304" pitchFamily="18" charset="0"/>
+              </a:rPr>
+              <a:t>Memory </a:t>
+            </a:r>
+            <a:r>
+              <a:rPr lang="de-DE" sz="2800" dirty="0" err="1" smtClean="0">
+                <a:ln>
+                  <a:noFill/>
+                </a:ln>
+                <a:latin typeface="Times New Roman" panose="02020603050405020304" pitchFamily="18" charset="0"/>
+                <a:cs typeface="Times New Roman" panose="02020603050405020304" pitchFamily="18" charset="0"/>
+              </a:rPr>
+              <a:t>Leak</a:t>
+            </a:r>
+            <a:endParaRPr lang="de-DE" sz="2800" dirty="0" smtClean="0">
+              <a:ln>
+                <a:noFill/>
+              </a:ln>
+              <a:latin typeface="Times New Roman" panose="02020603050405020304" pitchFamily="18" charset="0"/>
+              <a:cs typeface="Times New Roman" panose="02020603050405020304" pitchFamily="18" charset="0"/>
+            </a:endParaRPr>
+          </a:p>
+          <a:p>
+            <a:pPr lvl="1">
+              <a:spcAft>
+                <a:spcPts val="1200"/>
+              </a:spcAft>
+              <a:buFont typeface="Wingdings" panose="05000000000000000000" pitchFamily="2" charset="2"/>
+              <a:buChar char="Ø"/>
+            </a:pPr>
+            <a:r>
+              <a:rPr lang="de-DE" sz="2200" dirty="0" smtClean="0">
+                <a:ln>
+                  <a:noFill/>
+                </a:ln>
+                <a:latin typeface="Times New Roman" panose="02020603050405020304" pitchFamily="18" charset="0"/>
+                <a:cs typeface="Times New Roman" panose="02020603050405020304" pitchFamily="18" charset="0"/>
+              </a:rPr>
+              <a:t>Pointer zeigt auf nichts (</a:t>
+            </a:r>
+            <a:r>
+              <a:rPr lang="de-DE" sz="2200" dirty="0" err="1" smtClean="0">
+                <a:ln>
+                  <a:noFill/>
+                </a:ln>
+                <a:latin typeface="Times New Roman" panose="02020603050405020304" pitchFamily="18" charset="0"/>
+                <a:cs typeface="Times New Roman" panose="02020603050405020304" pitchFamily="18" charset="0"/>
+              </a:rPr>
+              <a:t>nullptr</a:t>
+            </a:r>
+            <a:r>
+              <a:rPr lang="de-DE" sz="2200" dirty="0" smtClean="0">
+                <a:ln>
+                  <a:noFill/>
+                </a:ln>
+                <a:latin typeface="Times New Roman" panose="02020603050405020304" pitchFamily="18" charset="0"/>
+                <a:cs typeface="Times New Roman" panose="02020603050405020304" pitchFamily="18" charset="0"/>
+              </a:rPr>
+              <a:t>)</a:t>
+            </a:r>
+          </a:p>
+          <a:p>
+            <a:pPr lvl="1">
+              <a:spcAft>
+                <a:spcPts val="1200"/>
+              </a:spcAft>
+              <a:buFont typeface="Wingdings" panose="05000000000000000000" pitchFamily="2" charset="2"/>
+              <a:buChar char="Ø"/>
+            </a:pPr>
+            <a:r>
+              <a:rPr lang="de-DE" sz="2200" dirty="0" smtClean="0">
+                <a:ln>
+                  <a:noFill/>
+                </a:ln>
+                <a:latin typeface="Times New Roman" panose="02020603050405020304" pitchFamily="18" charset="0"/>
+                <a:cs typeface="Times New Roman" panose="02020603050405020304" pitchFamily="18" charset="0"/>
+              </a:rPr>
+              <a:t>Variable im Heap nicht gelöscht</a:t>
+            </a:r>
+          </a:p>
+          <a:p>
+            <a:pPr lvl="1">
+              <a:spcAft>
+                <a:spcPts val="1200"/>
+              </a:spcAft>
+              <a:buFont typeface="Wingdings" panose="05000000000000000000" pitchFamily="2" charset="2"/>
+              <a:buChar char="Ø"/>
+            </a:pPr>
+            <a:r>
+              <a:rPr lang="de-DE" sz="2200" dirty="0" smtClean="0">
+                <a:ln>
+                  <a:noFill/>
+                </a:ln>
+                <a:latin typeface="Times New Roman" panose="02020603050405020304" pitchFamily="18" charset="0"/>
+                <a:cs typeface="Times New Roman" panose="02020603050405020304" pitchFamily="18" charset="0"/>
+              </a:rPr>
+              <a:t>Variable im Heap ist nie mehr erreichbar</a:t>
+            </a:r>
+          </a:p>
+          <a:p>
+            <a:pPr>
+              <a:spcAft>
+                <a:spcPts val="1200"/>
+              </a:spcAft>
+              <a:buFont typeface="Wingdings" panose="05000000000000000000" pitchFamily="2" charset="2"/>
+              <a:buChar char="Ø"/>
+            </a:pPr>
+            <a:r>
+              <a:rPr lang="de-DE" sz="2800" dirty="0" smtClean="0">
+                <a:ln>
+                  <a:noFill/>
+                </a:ln>
+                <a:latin typeface="Times New Roman" panose="02020603050405020304" pitchFamily="18" charset="0"/>
+                <a:cs typeface="Times New Roman" panose="02020603050405020304" pitchFamily="18" charset="0"/>
+              </a:rPr>
+              <a:t>Variable</a:t>
+            </a:r>
+            <a:r>
+              <a:rPr lang="de-DE" sz="2400" dirty="0" smtClean="0">
+                <a:ln>
+                  <a:noFill/>
+                </a:ln>
+                <a:latin typeface="Times New Roman" panose="02020603050405020304" pitchFamily="18" charset="0"/>
+                <a:cs typeface="Times New Roman" panose="02020603050405020304" pitchFamily="18" charset="0"/>
+              </a:rPr>
+              <a:t> im Heap gelöscht, aber Pointer zeigt noch darauf</a:t>
+            </a:r>
+          </a:p>
+          <a:p>
+            <a:pPr lvl="1">
+              <a:spcAft>
+                <a:spcPts val="1200"/>
+              </a:spcAft>
+              <a:buFont typeface="Wingdings" panose="05000000000000000000" pitchFamily="2" charset="2"/>
+              <a:buChar char="Ø"/>
+            </a:pPr>
+            <a:r>
+              <a:rPr lang="de-DE" sz="2200" dirty="0" smtClean="0">
+                <a:ln>
+                  <a:noFill/>
+                </a:ln>
+                <a:latin typeface="Times New Roman" panose="02020603050405020304" pitchFamily="18" charset="0"/>
+                <a:cs typeface="Times New Roman" panose="02020603050405020304" pitchFamily="18" charset="0"/>
+              </a:rPr>
+              <a:t>Entweder Error Zugriffsverletzung</a:t>
+            </a:r>
+          </a:p>
+          <a:p>
+            <a:pPr lvl="1">
+              <a:spcAft>
+                <a:spcPts val="1200"/>
+              </a:spcAft>
+              <a:buFont typeface="Wingdings" panose="05000000000000000000" pitchFamily="2" charset="2"/>
+              <a:buChar char="Ø"/>
+            </a:pPr>
+            <a:r>
+              <a:rPr lang="de-DE" sz="2000" dirty="0" smtClean="0">
+                <a:ln>
+                  <a:noFill/>
+                </a:ln>
+                <a:latin typeface="Times New Roman" panose="02020603050405020304" pitchFamily="18" charset="0"/>
+                <a:cs typeface="Times New Roman" panose="02020603050405020304" pitchFamily="18" charset="0"/>
+              </a:rPr>
+              <a:t>Schlimmstenfalls</a:t>
+            </a:r>
+            <a:r>
+              <a:rPr lang="de-DE" sz="2600" dirty="0" smtClean="0">
+                <a:ln>
+                  <a:noFill/>
+                </a:ln>
+                <a:latin typeface="Times New Roman" panose="02020603050405020304" pitchFamily="18" charset="0"/>
+                <a:cs typeface="Times New Roman" panose="02020603050405020304" pitchFamily="18" charset="0"/>
+              </a:rPr>
+              <a:t> verändern einer anderen Variable</a:t>
+            </a:r>
+          </a:p>
+        </p:txBody>
+      </p:sp>
+    </p:spTree>
+    <p:extLst>
+      <p:ext uri="{BB962C8B-B14F-4D97-AF65-F5344CB8AC3E}">
+        <p14:creationId xmlns:p14="http://schemas.microsoft.com/office/powerpoint/2010/main" val="3588751601"/>
+      </p:ext>
+    </p:extLst>
+  </p:cSld>
+  <p:clrMapOvr>
+    <a:masterClrMapping/>
+  </p:clrMapOvr>
+  <p:timing>
+    <p:tnLst>
+      <p:par>
+        <p:cTn id="1" dur="indefinite" restart="never" nodeType="tmRoot"/>
+      </p:par>
+    </p:tnLst>
+  </p:timing>
+</p:sld>
+</file>
+
+<file path=ppt/slides/slide21.xml><?xml version="1.0" encoding="utf-8"?>
+<p:sld xmlns:a="http://schemas.openxmlformats.org/drawingml/2006/main" xmlns:r="http://schemas.openxmlformats.org/officeDocument/2006/relationships" xmlns:p="http://schemas.openxmlformats.org/presentationml/2006/main">
+  <p:cSld>
+    <p:spTree>
+      <p:nvGrpSpPr>
+        <p:cNvPr id="1" name=""/>
+        <p:cNvGrpSpPr/>
+        <p:nvPr/>
+      </p:nvGrpSpPr>
+      <p:grpSpPr>
+        <a:xfrm>
+          <a:off x="0" y="0"/>
+          <a:ext cx="0" cy="0"/>
+          <a:chOff x="0" y="0"/>
+          <a:chExt cx="0" cy="0"/>
+        </a:xfrm>
+      </p:grpSpPr>
+      <p:sp>
+        <p:nvSpPr>
+          <p:cNvPr id="2" name="Titel 1"/>
+          <p:cNvSpPr>
+            <a:spLocks noGrp="1"/>
+          </p:cNvSpPr>
+          <p:nvPr>
+            <p:ph type="title"/>
+          </p:nvPr>
+        </p:nvSpPr>
+        <p:spPr>
+          <a:xfrm>
+            <a:off x="913795" y="152400"/>
+            <a:ext cx="10353762" cy="970450"/>
+          </a:xfrm>
+          <a:effectLst/>
+        </p:spPr>
+        <p:txBody>
+          <a:bodyPr>
+            <a:noAutofit/>
+          </a:bodyPr>
+          <a:lstStyle/>
+          <a:p>
+            <a:r>
+              <a:rPr lang="de-DE" sz="6000" u="sng" dirty="0" smtClean="0">
+                <a:latin typeface="Times New Roman" panose="02020603050405020304" pitchFamily="18" charset="0"/>
+                <a:cs typeface="Times New Roman" panose="02020603050405020304" pitchFamily="18" charset="0"/>
+              </a:rPr>
+              <a:t>Pointer</a:t>
+            </a:r>
+            <a:endParaRPr lang="de-DE" sz="6000" u="sng" dirty="0">
+              <a:latin typeface="Times New Roman" panose="02020603050405020304" pitchFamily="18" charset="0"/>
+              <a:cs typeface="Times New Roman" panose="02020603050405020304" pitchFamily="18" charset="0"/>
+            </a:endParaRPr>
+          </a:p>
+        </p:txBody>
+      </p:sp>
+      <p:sp>
+        <p:nvSpPr>
+          <p:cNvPr id="3" name="Inhaltsplatzhalter 2"/>
+          <p:cNvSpPr>
+            <a:spLocks noGrp="1"/>
+          </p:cNvSpPr>
+          <p:nvPr>
+            <p:ph idx="1"/>
+          </p:nvPr>
+        </p:nvSpPr>
+        <p:spPr>
+          <a:xfrm>
+            <a:off x="913795" y="1566194"/>
+            <a:ext cx="10353762" cy="4734853"/>
+          </a:xfrm>
+          <a:effectLst/>
+        </p:spPr>
+        <p:txBody>
+          <a:bodyPr anchor="ctr">
+            <a:normAutofit/>
+          </a:bodyPr>
+          <a:lstStyle/>
+          <a:p>
+            <a:pPr>
+              <a:spcAft>
+                <a:spcPts val="1200"/>
+              </a:spcAft>
+              <a:buFont typeface="Wingdings" panose="05000000000000000000" pitchFamily="2" charset="2"/>
+              <a:buChar char="Ø"/>
+            </a:pPr>
+            <a:r>
+              <a:rPr lang="de-DE" sz="2800" dirty="0" smtClean="0">
+                <a:ln>
+                  <a:noFill/>
+                </a:ln>
+                <a:latin typeface="Times New Roman" panose="02020603050405020304" pitchFamily="18" charset="0"/>
+                <a:cs typeface="Times New Roman" panose="02020603050405020304" pitchFamily="18" charset="0"/>
+              </a:rPr>
+              <a:t>werden durch einen * gekennzeichnet</a:t>
+            </a:r>
+          </a:p>
+          <a:p>
+            <a:pPr lvl="1">
+              <a:spcAft>
+                <a:spcPts val="1200"/>
+              </a:spcAft>
+              <a:buFont typeface="Wingdings" panose="05000000000000000000" pitchFamily="2" charset="2"/>
+              <a:buChar char="Ø"/>
+            </a:pPr>
+            <a:r>
+              <a:rPr lang="de-DE" sz="2100" dirty="0" err="1">
+                <a:ln>
+                  <a:noFill/>
+                </a:ln>
+                <a:latin typeface="Courier New" panose="02070309020205020404" pitchFamily="49" charset="0"/>
+                <a:cs typeface="Courier New" panose="02070309020205020404" pitchFamily="49" charset="0"/>
+              </a:rPr>
+              <a:t>i</a:t>
+            </a:r>
+            <a:r>
+              <a:rPr lang="de-DE" sz="2100" dirty="0" err="1" smtClean="0">
+                <a:ln>
+                  <a:noFill/>
+                </a:ln>
+                <a:latin typeface="Courier New" panose="02070309020205020404" pitchFamily="49" charset="0"/>
+                <a:cs typeface="Courier New" panose="02070309020205020404" pitchFamily="49" charset="0"/>
+              </a:rPr>
+              <a:t>nt</a:t>
+            </a:r>
+            <a:r>
+              <a:rPr lang="de-DE" sz="2100" dirty="0" smtClean="0">
+                <a:ln>
+                  <a:noFill/>
+                </a:ln>
+                <a:latin typeface="Courier New" panose="02070309020205020404" pitchFamily="49" charset="0"/>
+                <a:cs typeface="Courier New" panose="02070309020205020404" pitchFamily="49" charset="0"/>
+              </a:rPr>
+              <a:t>* </a:t>
+            </a:r>
+            <a:r>
+              <a:rPr lang="de-DE" sz="2100" dirty="0" err="1" smtClean="0">
+                <a:ln>
+                  <a:noFill/>
+                </a:ln>
+                <a:latin typeface="Courier New" panose="02070309020205020404" pitchFamily="49" charset="0"/>
+                <a:cs typeface="Courier New" panose="02070309020205020404" pitchFamily="49" charset="0"/>
+              </a:rPr>
+              <a:t>pNumber</a:t>
+            </a:r>
+            <a:r>
+              <a:rPr lang="de-DE" sz="2100" dirty="0" smtClean="0">
+                <a:ln>
+                  <a:noFill/>
+                </a:ln>
+                <a:latin typeface="Courier New" panose="02070309020205020404" pitchFamily="49" charset="0"/>
+                <a:cs typeface="Courier New" panose="02070309020205020404" pitchFamily="49" charset="0"/>
+              </a:rPr>
+              <a:t> = </a:t>
+            </a:r>
+            <a:r>
+              <a:rPr lang="de-DE" sz="2100" dirty="0" err="1" smtClean="0">
+                <a:ln>
+                  <a:noFill/>
+                </a:ln>
+                <a:latin typeface="Courier New" panose="02070309020205020404" pitchFamily="49" charset="0"/>
+                <a:cs typeface="Courier New" panose="02070309020205020404" pitchFamily="49" charset="0"/>
+              </a:rPr>
+              <a:t>new</a:t>
+            </a:r>
+            <a:r>
+              <a:rPr lang="de-DE" sz="2100" dirty="0" smtClean="0">
+                <a:ln>
+                  <a:noFill/>
+                </a:ln>
+                <a:latin typeface="Courier New" panose="02070309020205020404" pitchFamily="49" charset="0"/>
+                <a:cs typeface="Courier New" panose="02070309020205020404" pitchFamily="49" charset="0"/>
+              </a:rPr>
+              <a:t> </a:t>
+            </a:r>
+            <a:r>
+              <a:rPr lang="de-DE" sz="2100" dirty="0" err="1" smtClean="0">
+                <a:ln>
+                  <a:noFill/>
+                </a:ln>
+                <a:latin typeface="Courier New" panose="02070309020205020404" pitchFamily="49" charset="0"/>
+                <a:cs typeface="Courier New" panose="02070309020205020404" pitchFamily="49" charset="0"/>
+              </a:rPr>
+              <a:t>int</a:t>
+            </a:r>
+            <a:r>
+              <a:rPr lang="de-DE" sz="2100" dirty="0" smtClean="0">
+                <a:ln>
+                  <a:noFill/>
+                </a:ln>
+                <a:latin typeface="Courier New" panose="02070309020205020404" pitchFamily="49" charset="0"/>
+                <a:cs typeface="Courier New" panose="02070309020205020404" pitchFamily="49" charset="0"/>
+              </a:rPr>
+              <a:t>();</a:t>
+            </a:r>
+          </a:p>
+          <a:p>
+            <a:pPr lvl="2">
+              <a:spcAft>
+                <a:spcPts val="1200"/>
+              </a:spcAft>
+              <a:buFont typeface="Wingdings" panose="05000000000000000000" pitchFamily="2" charset="2"/>
+              <a:buChar char="Ø"/>
+            </a:pPr>
+            <a:r>
+              <a:rPr lang="de-DE" sz="2200" dirty="0" smtClean="0">
+                <a:ln>
+                  <a:noFill/>
+                </a:ln>
+                <a:latin typeface="Times New Roman" panose="02020603050405020304" pitchFamily="18" charset="0"/>
+                <a:cs typeface="Times New Roman" panose="02020603050405020304" pitchFamily="18" charset="0"/>
+              </a:rPr>
+              <a:t> zeigt auf einen Speicherplatz, der ein </a:t>
+            </a:r>
+            <a:r>
+              <a:rPr lang="de-DE" sz="2200" dirty="0" err="1" smtClean="0">
+                <a:ln>
+                  <a:noFill/>
+                </a:ln>
+                <a:latin typeface="Times New Roman" panose="02020603050405020304" pitchFamily="18" charset="0"/>
+                <a:cs typeface="Times New Roman" panose="02020603050405020304" pitchFamily="18" charset="0"/>
+              </a:rPr>
+              <a:t>int</a:t>
+            </a:r>
+            <a:r>
+              <a:rPr lang="de-DE" sz="2200" dirty="0" smtClean="0">
+                <a:ln>
+                  <a:noFill/>
+                </a:ln>
+                <a:latin typeface="Times New Roman" panose="02020603050405020304" pitchFamily="18" charset="0"/>
+                <a:cs typeface="Times New Roman" panose="02020603050405020304" pitchFamily="18" charset="0"/>
+              </a:rPr>
+              <a:t> beinhaltet</a:t>
+            </a:r>
+          </a:p>
+          <a:p>
+            <a:pPr lvl="1">
+              <a:spcAft>
+                <a:spcPts val="1200"/>
+              </a:spcAft>
+              <a:buFont typeface="Wingdings" panose="05000000000000000000" pitchFamily="2" charset="2"/>
+              <a:buChar char="Ø"/>
+            </a:pPr>
+            <a:r>
+              <a:rPr lang="de-DE" sz="2400" dirty="0" smtClean="0">
+                <a:ln>
+                  <a:noFill/>
+                </a:ln>
+                <a:latin typeface="Times New Roman" panose="02020603050405020304" pitchFamily="18" charset="0"/>
+                <a:cs typeface="Times New Roman" panose="02020603050405020304" pitchFamily="18" charset="0"/>
+              </a:rPr>
+              <a:t>p, p_, _p (Beispiel Benennung für Pointer)</a:t>
+            </a:r>
+          </a:p>
+          <a:p>
+            <a:pPr>
+              <a:spcAft>
+                <a:spcPts val="1200"/>
+              </a:spcAft>
+              <a:buFont typeface="Wingdings" panose="05000000000000000000" pitchFamily="2" charset="2"/>
+              <a:buChar char="Ø"/>
+            </a:pPr>
+            <a:r>
+              <a:rPr lang="de-DE" sz="2600" dirty="0" smtClean="0">
+                <a:ln>
+                  <a:noFill/>
+                </a:ln>
+                <a:latin typeface="Times New Roman" panose="02020603050405020304" pitchFamily="18" charset="0"/>
+                <a:cs typeface="Times New Roman" panose="02020603050405020304" pitchFamily="18" charset="0"/>
+              </a:rPr>
+              <a:t>* (</a:t>
+            </a:r>
+            <a:r>
+              <a:rPr lang="de-DE" sz="2600" dirty="0" err="1" smtClean="0">
+                <a:ln>
+                  <a:noFill/>
+                </a:ln>
+                <a:latin typeface="Times New Roman" panose="02020603050405020304" pitchFamily="18" charset="0"/>
+                <a:cs typeface="Times New Roman" panose="02020603050405020304" pitchFamily="18" charset="0"/>
+              </a:rPr>
+              <a:t>Dereferenzierungsoperator</a:t>
+            </a:r>
+            <a:r>
+              <a:rPr lang="de-DE" sz="2600" dirty="0" smtClean="0">
+                <a:ln>
+                  <a:noFill/>
+                </a:ln>
+                <a:latin typeface="Times New Roman" panose="02020603050405020304" pitchFamily="18" charset="0"/>
+                <a:cs typeface="Times New Roman" panose="02020603050405020304" pitchFamily="18" charset="0"/>
+              </a:rPr>
+              <a:t>, gibt den Inhalt zurück)</a:t>
+            </a:r>
+          </a:p>
+          <a:p>
+            <a:pPr>
+              <a:spcAft>
+                <a:spcPts val="1200"/>
+              </a:spcAft>
+              <a:buFont typeface="Wingdings" panose="05000000000000000000" pitchFamily="2" charset="2"/>
+              <a:buChar char="Ø"/>
+            </a:pPr>
+            <a:r>
+              <a:rPr lang="de-DE" sz="2600" dirty="0" smtClean="0">
+                <a:ln>
+                  <a:noFill/>
+                </a:ln>
+                <a:latin typeface="Times New Roman" panose="02020603050405020304" pitchFamily="18" charset="0"/>
+                <a:cs typeface="Times New Roman" panose="02020603050405020304" pitchFamily="18" charset="0"/>
+              </a:rPr>
+              <a:t>&amp; (</a:t>
+            </a:r>
+            <a:r>
+              <a:rPr lang="de-DE" sz="2600" dirty="0" err="1" smtClean="0">
+                <a:ln>
+                  <a:noFill/>
+                </a:ln>
+                <a:latin typeface="Times New Roman" panose="02020603050405020304" pitchFamily="18" charset="0"/>
+                <a:cs typeface="Times New Roman" panose="02020603050405020304" pitchFamily="18" charset="0"/>
+              </a:rPr>
+              <a:t>Referenzierungsoperator</a:t>
+            </a:r>
+            <a:r>
+              <a:rPr lang="de-DE" sz="2600" dirty="0" smtClean="0">
+                <a:ln>
+                  <a:noFill/>
+                </a:ln>
+                <a:latin typeface="Times New Roman" panose="02020603050405020304" pitchFamily="18" charset="0"/>
+                <a:cs typeface="Times New Roman" panose="02020603050405020304" pitchFamily="18" charset="0"/>
+              </a:rPr>
+              <a:t>, gibt die Speicheradresse zurück)</a:t>
+            </a:r>
+          </a:p>
+        </p:txBody>
+      </p:sp>
+    </p:spTree>
+    <p:extLst>
+      <p:ext uri="{BB962C8B-B14F-4D97-AF65-F5344CB8AC3E}">
+        <p14:creationId xmlns:p14="http://schemas.microsoft.com/office/powerpoint/2010/main" val="2392886529"/>
+      </p:ext>
+    </p:extLst>
+  </p:cSld>
+  <p:clrMapOvr>
+    <a:masterClrMapping/>
+  </p:clrMapOvr>
+  <p:timing>
+    <p:tnLst>
+      <p:par>
+        <p:cTn id="1" dur="indefinite" restart="never" nodeType="tmRoot"/>
+      </p:par>
+    </p:tnLst>
+  </p:timing>
+</p:sld>
+</file>
+
+<file path=ppt/slides/slide22.xml><?xml version="1.0" encoding="utf-8"?>
+<p:sld xmlns:a="http://schemas.openxmlformats.org/drawingml/2006/main" xmlns:r="http://schemas.openxmlformats.org/officeDocument/2006/relationships" xmlns:p="http://schemas.openxmlformats.org/presentationml/2006/main">
+  <p:cSld>
+    <p:spTree>
+      <p:nvGrpSpPr>
+        <p:cNvPr id="1" name=""/>
+        <p:cNvGrpSpPr/>
+        <p:nvPr/>
+      </p:nvGrpSpPr>
+      <p:grpSpPr>
+        <a:xfrm>
+          <a:off x="0" y="0"/>
+          <a:ext cx="0" cy="0"/>
+          <a:chOff x="0" y="0"/>
+          <a:chExt cx="0" cy="0"/>
+        </a:xfrm>
+      </p:grpSpPr>
+      <p:sp>
+        <p:nvSpPr>
+          <p:cNvPr id="2" name="Titel 1"/>
+          <p:cNvSpPr>
+            <a:spLocks noGrp="1"/>
+          </p:cNvSpPr>
+          <p:nvPr>
+            <p:ph type="title"/>
+          </p:nvPr>
+        </p:nvSpPr>
+        <p:spPr>
+          <a:xfrm>
+            <a:off x="913795" y="152400"/>
+            <a:ext cx="10353762" cy="970450"/>
+          </a:xfrm>
+          <a:effectLst/>
+        </p:spPr>
+        <p:txBody>
+          <a:bodyPr>
+            <a:noAutofit/>
+          </a:bodyPr>
+          <a:lstStyle/>
+          <a:p>
+            <a:r>
+              <a:rPr lang="de-DE" sz="6000" u="sng" dirty="0" smtClean="0">
+                <a:latin typeface="Times New Roman" panose="02020603050405020304" pitchFamily="18" charset="0"/>
+                <a:cs typeface="Times New Roman" panose="02020603050405020304" pitchFamily="18" charset="0"/>
+              </a:rPr>
+              <a:t>Pointer</a:t>
+            </a:r>
+            <a:endParaRPr lang="de-DE" sz="6000" u="sng" dirty="0">
+              <a:latin typeface="Times New Roman" panose="02020603050405020304" pitchFamily="18" charset="0"/>
+              <a:cs typeface="Times New Roman" panose="02020603050405020304" pitchFamily="18" charset="0"/>
+            </a:endParaRPr>
+          </a:p>
+        </p:txBody>
+      </p:sp>
+      <p:sp>
+        <p:nvSpPr>
+          <p:cNvPr id="3" name="Inhaltsplatzhalter 2"/>
+          <p:cNvSpPr>
+            <a:spLocks noGrp="1"/>
+          </p:cNvSpPr>
+          <p:nvPr>
+            <p:ph idx="1"/>
+          </p:nvPr>
+        </p:nvSpPr>
+        <p:spPr>
+          <a:xfrm>
+            <a:off x="913795" y="1566194"/>
+            <a:ext cx="10353762" cy="4734853"/>
+          </a:xfrm>
+          <a:effectLst/>
+        </p:spPr>
+        <p:txBody>
+          <a:bodyPr anchor="ctr">
+            <a:normAutofit/>
+          </a:bodyPr>
+          <a:lstStyle/>
+          <a:p>
+            <a:pPr>
+              <a:spcAft>
+                <a:spcPts val="1200"/>
+              </a:spcAft>
+              <a:buFont typeface="Wingdings" panose="05000000000000000000" pitchFamily="2" charset="2"/>
+              <a:buChar char="Ø"/>
+            </a:pPr>
+            <a:r>
+              <a:rPr lang="de-DE" sz="3200" dirty="0" err="1">
+                <a:ln>
+                  <a:noFill/>
+                </a:ln>
+                <a:latin typeface="Courier New" panose="02070309020205020404" pitchFamily="49" charset="0"/>
+                <a:cs typeface="Courier New" panose="02070309020205020404" pitchFamily="49" charset="0"/>
+              </a:rPr>
+              <a:t>delete</a:t>
+            </a:r>
+            <a:r>
+              <a:rPr lang="de-DE" sz="3200" dirty="0">
+                <a:ln>
+                  <a:noFill/>
+                </a:ln>
+                <a:latin typeface="Courier New" panose="02070309020205020404" pitchFamily="49" charset="0"/>
+                <a:cs typeface="Courier New" panose="02070309020205020404" pitchFamily="49" charset="0"/>
+              </a:rPr>
+              <a:t> </a:t>
+            </a:r>
+            <a:r>
+              <a:rPr lang="de-DE" sz="3200" dirty="0" err="1">
+                <a:ln>
+                  <a:noFill/>
+                </a:ln>
+                <a:latin typeface="Courier New" panose="02070309020205020404" pitchFamily="49" charset="0"/>
+                <a:cs typeface="Courier New" panose="02070309020205020404" pitchFamily="49" charset="0"/>
+              </a:rPr>
+              <a:t>pNumber</a:t>
+            </a:r>
+            <a:r>
+              <a:rPr lang="de-DE" sz="3200" dirty="0">
+                <a:ln>
+                  <a:noFill/>
+                </a:ln>
+                <a:latin typeface="Courier New" panose="02070309020205020404" pitchFamily="49" charset="0"/>
+                <a:cs typeface="Courier New" panose="02070309020205020404" pitchFamily="49" charset="0"/>
+              </a:rPr>
+              <a:t>;</a:t>
+            </a:r>
+          </a:p>
+          <a:p>
+            <a:pPr lvl="1">
+              <a:spcAft>
+                <a:spcPts val="1200"/>
+              </a:spcAft>
+              <a:buFont typeface="Wingdings" panose="05000000000000000000" pitchFamily="2" charset="2"/>
+              <a:buChar char="Ø"/>
+            </a:pPr>
+            <a:r>
+              <a:rPr lang="de-DE" sz="3200" dirty="0">
+                <a:ln>
+                  <a:noFill/>
+                </a:ln>
+                <a:latin typeface="Times New Roman" panose="02020603050405020304" pitchFamily="18" charset="0"/>
+                <a:cs typeface="Times New Roman" panose="02020603050405020304" pitchFamily="18" charset="0"/>
+              </a:rPr>
+              <a:t>löscht den Inhalt</a:t>
+            </a:r>
+          </a:p>
+          <a:p>
+            <a:pPr lvl="1">
+              <a:spcAft>
+                <a:spcPts val="1200"/>
+              </a:spcAft>
+              <a:buFont typeface="Wingdings" panose="05000000000000000000" pitchFamily="2" charset="2"/>
+              <a:buChar char="Ø"/>
+            </a:pPr>
+            <a:r>
+              <a:rPr lang="de-DE" sz="3200" dirty="0">
+                <a:ln>
+                  <a:noFill/>
+                </a:ln>
+                <a:latin typeface="Times New Roman" panose="02020603050405020304" pitchFamily="18" charset="0"/>
+                <a:cs typeface="Times New Roman" panose="02020603050405020304" pitchFamily="18" charset="0"/>
+              </a:rPr>
+              <a:t>danach </a:t>
+            </a:r>
+            <a:r>
+              <a:rPr lang="de-DE" sz="3200" dirty="0" err="1">
+                <a:ln>
+                  <a:noFill/>
+                </a:ln>
+                <a:latin typeface="Times New Roman" panose="02020603050405020304" pitchFamily="18" charset="0"/>
+                <a:cs typeface="Times New Roman" panose="02020603050405020304" pitchFamily="18" charset="0"/>
+              </a:rPr>
+              <a:t>pointer</a:t>
+            </a:r>
+            <a:r>
+              <a:rPr lang="de-DE" sz="3200" dirty="0">
+                <a:ln>
+                  <a:noFill/>
+                </a:ln>
+                <a:latin typeface="Times New Roman" panose="02020603050405020304" pitchFamily="18" charset="0"/>
+                <a:cs typeface="Times New Roman" panose="02020603050405020304" pitchFamily="18" charset="0"/>
+              </a:rPr>
+              <a:t> auf </a:t>
+            </a:r>
+            <a:r>
+              <a:rPr lang="de-DE" sz="3200" dirty="0" err="1">
+                <a:ln>
+                  <a:noFill/>
+                </a:ln>
+                <a:latin typeface="Times New Roman" panose="02020603050405020304" pitchFamily="18" charset="0"/>
+                <a:cs typeface="Times New Roman" panose="02020603050405020304" pitchFamily="18" charset="0"/>
+              </a:rPr>
+              <a:t>nullptr</a:t>
+            </a:r>
+            <a:r>
+              <a:rPr lang="de-DE" sz="3200" dirty="0">
+                <a:ln>
+                  <a:noFill/>
+                </a:ln>
+                <a:latin typeface="Times New Roman" panose="02020603050405020304" pitchFamily="18" charset="0"/>
+                <a:cs typeface="Times New Roman" panose="02020603050405020304" pitchFamily="18" charset="0"/>
+              </a:rPr>
+              <a:t> setzen</a:t>
+            </a:r>
+          </a:p>
+          <a:p>
+            <a:pPr lvl="2">
+              <a:spcAft>
+                <a:spcPts val="1200"/>
+              </a:spcAft>
+              <a:buFont typeface="Wingdings" panose="05000000000000000000" pitchFamily="2" charset="2"/>
+              <a:buChar char="Ø"/>
+            </a:pPr>
+            <a:r>
+              <a:rPr lang="de-DE" sz="2800" dirty="0" err="1">
+                <a:ln>
+                  <a:noFill/>
+                </a:ln>
+                <a:latin typeface="Courier New" panose="02070309020205020404" pitchFamily="49" charset="0"/>
+                <a:cs typeface="Courier New" panose="02070309020205020404" pitchFamily="49" charset="0"/>
+              </a:rPr>
+              <a:t>pNumber</a:t>
+            </a:r>
+            <a:r>
+              <a:rPr lang="de-DE" sz="2800" dirty="0">
+                <a:ln>
+                  <a:noFill/>
+                </a:ln>
+                <a:latin typeface="Courier New" panose="02070309020205020404" pitchFamily="49" charset="0"/>
+                <a:cs typeface="Courier New" panose="02070309020205020404" pitchFamily="49" charset="0"/>
+              </a:rPr>
+              <a:t> = </a:t>
+            </a:r>
+            <a:r>
+              <a:rPr lang="de-DE" sz="2800" dirty="0" err="1">
+                <a:ln>
+                  <a:noFill/>
+                </a:ln>
+                <a:latin typeface="Courier New" panose="02070309020205020404" pitchFamily="49" charset="0"/>
+                <a:cs typeface="Courier New" panose="02070309020205020404" pitchFamily="49" charset="0"/>
+              </a:rPr>
+              <a:t>nullptr</a:t>
+            </a:r>
+            <a:r>
+              <a:rPr lang="de-DE" sz="2800" dirty="0" smtClean="0">
+                <a:ln>
+                  <a:noFill/>
+                </a:ln>
+                <a:latin typeface="Courier New" panose="02070309020205020404" pitchFamily="49" charset="0"/>
+                <a:cs typeface="Courier New" panose="02070309020205020404" pitchFamily="49" charset="0"/>
+              </a:rPr>
+              <a:t>;</a:t>
+            </a:r>
+          </a:p>
+          <a:p>
+            <a:pPr>
+              <a:spcAft>
+                <a:spcPts val="1200"/>
+              </a:spcAft>
+              <a:buFont typeface="Wingdings" panose="05000000000000000000" pitchFamily="2" charset="2"/>
+              <a:buChar char="Ø"/>
+            </a:pPr>
+            <a:r>
+              <a:rPr lang="de-DE" sz="3200" dirty="0">
+                <a:ln>
+                  <a:noFill/>
+                </a:ln>
+                <a:latin typeface="Times New Roman" panose="02020603050405020304" pitchFamily="18" charset="0"/>
+                <a:cs typeface="Times New Roman" panose="02020603050405020304" pitchFamily="18" charset="0"/>
+              </a:rPr>
+              <a:t>g</a:t>
+            </a:r>
+            <a:r>
+              <a:rPr lang="de-DE" sz="3200" dirty="0" smtClean="0">
+                <a:ln>
+                  <a:noFill/>
+                </a:ln>
+                <a:latin typeface="Times New Roman" panose="02020603050405020304" pitchFamily="18" charset="0"/>
+                <a:cs typeface="Times New Roman" panose="02020603050405020304" pitchFamily="18" charset="0"/>
+              </a:rPr>
+              <a:t>roße </a:t>
+            </a:r>
+            <a:r>
+              <a:rPr lang="de-DE" sz="3200" dirty="0" err="1" smtClean="0">
+                <a:ln>
+                  <a:noFill/>
+                </a:ln>
+                <a:latin typeface="Times New Roman" panose="02020603050405020304" pitchFamily="18" charset="0"/>
+                <a:cs typeface="Times New Roman" panose="02020603050405020304" pitchFamily="18" charset="0"/>
+              </a:rPr>
+              <a:t>Engines</a:t>
+            </a:r>
+            <a:r>
+              <a:rPr lang="de-DE" sz="3200" dirty="0" smtClean="0">
+                <a:ln>
+                  <a:noFill/>
+                </a:ln>
+                <a:latin typeface="Times New Roman" panose="02020603050405020304" pitchFamily="18" charset="0"/>
+                <a:cs typeface="Times New Roman" panose="02020603050405020304" pitchFamily="18" charset="0"/>
+              </a:rPr>
+              <a:t> löschen wenn Zeit ist</a:t>
+            </a:r>
+            <a:endParaRPr lang="de-DE" sz="3200" dirty="0">
+              <a:ln>
+                <a:noFill/>
+              </a:ln>
+              <a:latin typeface="Times New Roman" panose="02020603050405020304" pitchFamily="18" charset="0"/>
+              <a:cs typeface="Times New Roman" panose="02020603050405020304" pitchFamily="18" charset="0"/>
+            </a:endParaRPr>
+          </a:p>
+        </p:txBody>
+      </p:sp>
+    </p:spTree>
+    <p:extLst>
+      <p:ext uri="{BB962C8B-B14F-4D97-AF65-F5344CB8AC3E}">
+        <p14:creationId xmlns:p14="http://schemas.microsoft.com/office/powerpoint/2010/main" val="2145541091"/>
       </p:ext>
     </p:extLst>
   </p:cSld>
@@ -12374,7 +15897,7 @@
   <a:extraClrSchemeLst/>
   <a:extLst>
     <a:ext uri="{05A4C25C-085E-4340-85A3-A5531E510DB2}">
-      <thm15:themeFamily xmlns:thm15="http://schemas.microsoft.com/office/thememl/2012/main" name="Slate" id="{C3F70B94-7CE9-428E-ADC1-3269CC2C3385}" vid="{3F2DE9A5-64E6-437C-A389-CC4477E817E8}"/>
+      <thm15:themeFamily xmlns:thm15="http://schemas.microsoft.com/office/thememl/2012/main" xmlns="" name="Slate" id="{C3F70B94-7CE9-428E-ADC1-3269CC2C3385}" vid="{3F2DE9A5-64E6-437C-A389-CC4477E817E8}"/>
     </a:ext>
   </a:extLst>
 </a:theme>
@@ -12635,7 +16158,7 @@
   <a:extraClrSchemeLst/>
   <a:extLst>
     <a:ext uri="{05A4C25C-085E-4340-85A3-A5531E510DB2}">
-      <thm15:themeFamily xmlns:thm15="http://schemas.microsoft.com/office/thememl/2012/main" name="Office Theme" id="{62F939B6-93AF-4DB8-9C6B-D6C7DFDC589F}" vid="{4A3C46E8-61CC-4603-A589-7422A47A8E4A}"/>
+      <thm15:themeFamily xmlns:thm15="http://schemas.microsoft.com/office/thememl/2012/main" xmlns="" name="Office Theme" id="{62F939B6-93AF-4DB8-9C6B-D6C7DFDC589F}" vid="{4A3C46E8-61CC-4603-A589-7422A47A8E4A}"/>
     </a:ext>
   </a:extLst>
 </a:theme>

--- a/Document/Programmieren Grundlagen 2.pptx
+++ b/Document/Programmieren Grundlagen 2.pptx
@@ -5,7 +5,7 @@
     <p:sldMasterId id="2147483840" r:id="rId1"/>
   </p:sldMasterIdLst>
   <p:notesMasterIdLst>
-    <p:notesMasterId r:id="rId24"/>
+    <p:notesMasterId r:id="rId26"/>
   </p:notesMasterIdLst>
   <p:sldIdLst>
     <p:sldId id="256" r:id="rId2"/>
@@ -30,6 +30,8 @@
     <p:sldId id="276" r:id="rId21"/>
     <p:sldId id="277" r:id="rId22"/>
     <p:sldId id="278" r:id="rId23"/>
+    <p:sldId id="279" r:id="rId24"/>
+    <p:sldId id="280" r:id="rId25"/>
   </p:sldIdLst>
   <p:sldSz cx="12192000" cy="6858000"/>
   <p:notesSz cx="6858000" cy="9144000"/>
@@ -130,7 +132,7 @@
   </p:defaultTextStyle>
   <p:extLst>
     <p:ext uri="{EFAFB233-063F-42B5-8137-9DF3F51BA10A}">
-      <p15:sldGuideLst xmlns:p15="http://schemas.microsoft.com/office/powerpoint/2012/main" xmlns=""/>
+      <p15:sldGuideLst xmlns:p15="http://schemas.microsoft.com/office/powerpoint/2012/main"/>
     </p:ext>
   </p:extLst>
 </p:presentation>
@@ -218,7 +220,7 @@
           <a:p>
             <a:fld id="{54839018-0526-4838-8946-0B2C3533700A}" type="datetimeFigureOut">
               <a:rPr lang="en-US" smtClean="0"/>
-              <a:t>6/25/2018</a:t>
+              <a:t>7/2/2018</a:t>
             </a:fld>
             <a:endParaRPr lang="en-US"/>
           </a:p>
@@ -1494,6 +1496,174 @@
 </p:notes>
 </file>
 
+<file path=ppt/notesSlides/notesSlide20.xml><?xml version="1.0" encoding="utf-8"?>
+<p:notes xmlns:a="http://schemas.openxmlformats.org/drawingml/2006/main" xmlns:r="http://schemas.openxmlformats.org/officeDocument/2006/relationships" xmlns:p="http://schemas.openxmlformats.org/presentationml/2006/main">
+  <p:cSld>
+    <p:spTree>
+      <p:nvGrpSpPr>
+        <p:cNvPr id="1" name=""/>
+        <p:cNvGrpSpPr/>
+        <p:nvPr/>
+      </p:nvGrpSpPr>
+      <p:grpSpPr>
+        <a:xfrm>
+          <a:off x="0" y="0"/>
+          <a:ext cx="0" cy="0"/>
+          <a:chOff x="0" y="0"/>
+          <a:chExt cx="0" cy="0"/>
+        </a:xfrm>
+      </p:grpSpPr>
+      <p:sp>
+        <p:nvSpPr>
+          <p:cNvPr id="2" name="Folienbildplatzhalter 1"/>
+          <p:cNvSpPr>
+            <a:spLocks noGrp="1" noRot="1" noChangeAspect="1"/>
+          </p:cNvSpPr>
+          <p:nvPr>
+            <p:ph type="sldImg"/>
+          </p:nvPr>
+        </p:nvSpPr>
+        <p:spPr/>
+      </p:sp>
+      <p:sp>
+        <p:nvSpPr>
+          <p:cNvPr id="3" name="Notizenplatzhalter 2"/>
+          <p:cNvSpPr>
+            <a:spLocks noGrp="1"/>
+          </p:cNvSpPr>
+          <p:nvPr>
+            <p:ph type="body" idx="1"/>
+          </p:nvPr>
+        </p:nvSpPr>
+        <p:spPr/>
+        <p:txBody>
+          <a:bodyPr/>
+          <a:lstStyle/>
+          <a:p>
+            <a:endParaRPr lang="en-US" dirty="0" smtClean="0"/>
+          </a:p>
+        </p:txBody>
+      </p:sp>
+      <p:sp>
+        <p:nvSpPr>
+          <p:cNvPr id="4" name="Foliennummernplatzhalter 3"/>
+          <p:cNvSpPr>
+            <a:spLocks noGrp="1"/>
+          </p:cNvSpPr>
+          <p:nvPr>
+            <p:ph type="sldNum" sz="quarter" idx="10"/>
+          </p:nvPr>
+        </p:nvSpPr>
+        <p:spPr/>
+        <p:txBody>
+          <a:bodyPr/>
+          <a:lstStyle/>
+          <a:p>
+            <a:fld id="{03FB03B6-87F7-4F87-BF64-5F48935FD1D1}" type="slidenum">
+              <a:rPr lang="en-US" smtClean="0"/>
+              <a:t>23</a:t>
+            </a:fld>
+            <a:endParaRPr lang="en-US"/>
+          </a:p>
+        </p:txBody>
+      </p:sp>
+    </p:spTree>
+    <p:extLst>
+      <p:ext uri="{BB962C8B-B14F-4D97-AF65-F5344CB8AC3E}">
+        <p14:creationId xmlns:p14="http://schemas.microsoft.com/office/powerpoint/2010/main" val="2723613968"/>
+      </p:ext>
+    </p:extLst>
+  </p:cSld>
+  <p:clrMapOvr>
+    <a:masterClrMapping/>
+  </p:clrMapOvr>
+</p:notes>
+</file>
+
+<file path=ppt/notesSlides/notesSlide21.xml><?xml version="1.0" encoding="utf-8"?>
+<p:notes xmlns:a="http://schemas.openxmlformats.org/drawingml/2006/main" xmlns:r="http://schemas.openxmlformats.org/officeDocument/2006/relationships" xmlns:p="http://schemas.openxmlformats.org/presentationml/2006/main">
+  <p:cSld>
+    <p:spTree>
+      <p:nvGrpSpPr>
+        <p:cNvPr id="1" name=""/>
+        <p:cNvGrpSpPr/>
+        <p:nvPr/>
+      </p:nvGrpSpPr>
+      <p:grpSpPr>
+        <a:xfrm>
+          <a:off x="0" y="0"/>
+          <a:ext cx="0" cy="0"/>
+          <a:chOff x="0" y="0"/>
+          <a:chExt cx="0" cy="0"/>
+        </a:xfrm>
+      </p:grpSpPr>
+      <p:sp>
+        <p:nvSpPr>
+          <p:cNvPr id="2" name="Folienbildplatzhalter 1"/>
+          <p:cNvSpPr>
+            <a:spLocks noGrp="1" noRot="1" noChangeAspect="1"/>
+          </p:cNvSpPr>
+          <p:nvPr>
+            <p:ph type="sldImg"/>
+          </p:nvPr>
+        </p:nvSpPr>
+        <p:spPr/>
+      </p:sp>
+      <p:sp>
+        <p:nvSpPr>
+          <p:cNvPr id="3" name="Notizenplatzhalter 2"/>
+          <p:cNvSpPr>
+            <a:spLocks noGrp="1"/>
+          </p:cNvSpPr>
+          <p:nvPr>
+            <p:ph type="body" idx="1"/>
+          </p:nvPr>
+        </p:nvSpPr>
+        <p:spPr/>
+        <p:txBody>
+          <a:bodyPr/>
+          <a:lstStyle/>
+          <a:p>
+            <a:endParaRPr lang="en-US" dirty="0" smtClean="0"/>
+          </a:p>
+        </p:txBody>
+      </p:sp>
+      <p:sp>
+        <p:nvSpPr>
+          <p:cNvPr id="4" name="Foliennummernplatzhalter 3"/>
+          <p:cNvSpPr>
+            <a:spLocks noGrp="1"/>
+          </p:cNvSpPr>
+          <p:nvPr>
+            <p:ph type="sldNum" sz="quarter" idx="10"/>
+          </p:nvPr>
+        </p:nvSpPr>
+        <p:spPr/>
+        <p:txBody>
+          <a:bodyPr/>
+          <a:lstStyle/>
+          <a:p>
+            <a:fld id="{03FB03B6-87F7-4F87-BF64-5F48935FD1D1}" type="slidenum">
+              <a:rPr lang="en-US" smtClean="0"/>
+              <a:t>24</a:t>
+            </a:fld>
+            <a:endParaRPr lang="en-US"/>
+          </a:p>
+        </p:txBody>
+      </p:sp>
+    </p:spTree>
+    <p:extLst>
+      <p:ext uri="{BB962C8B-B14F-4D97-AF65-F5344CB8AC3E}">
+        <p14:creationId xmlns:p14="http://schemas.microsoft.com/office/powerpoint/2010/main" val="3930310022"/>
+      </p:ext>
+    </p:extLst>
+  </p:cSld>
+  <p:clrMapOvr>
+    <a:masterClrMapping/>
+  </p:clrMapOvr>
+</p:notes>
+</file>
+
 <file path=ppt/notesSlides/notesSlide3.xml><?xml version="1.0" encoding="utf-8"?>
 <p:notes xmlns:a="http://schemas.openxmlformats.org/drawingml/2006/main" xmlns:r="http://schemas.openxmlformats.org/officeDocument/2006/relationships" xmlns:p="http://schemas.openxmlformats.org/presentationml/2006/main">
   <p:cSld>
@@ -2268,7 +2438,7 @@
             <a:fld id="{8E36636D-D922-432D-A958-524484B5923D}" type="datetimeFigureOut">
               <a:rPr lang="en-US" dirty="0"/>
               <a:pPr/>
-              <a:t>6/25/2018</a:t>
+              <a:t>7/2/2018</a:t>
             </a:fld>
             <a:endParaRPr lang="en-US" dirty="0"/>
           </a:p>
@@ -2562,7 +2732,7 @@
           <a:p>
             <a:fld id="{48A87A34-81AB-432B-8DAE-1953F412C126}" type="datetimeFigureOut">
               <a:rPr lang="en-US" dirty="0"/>
-              <a:t>6/25/2018</a:t>
+              <a:t>7/2/2018</a:t>
             </a:fld>
             <a:endParaRPr lang="en-US" dirty="0"/>
           </a:p>
@@ -2749,7 +2919,7 @@
           <a:p>
             <a:fld id="{48A87A34-81AB-432B-8DAE-1953F412C126}" type="datetimeFigureOut">
               <a:rPr lang="en-US" dirty="0"/>
-              <a:t>6/25/2018</a:t>
+              <a:t>7/2/2018</a:t>
             </a:fld>
             <a:endParaRPr lang="en-US" dirty="0"/>
           </a:p>
@@ -3005,7 +3175,7 @@
           <a:p>
             <a:fld id="{48A87A34-81AB-432B-8DAE-1953F412C126}" type="datetimeFigureOut">
               <a:rPr lang="en-US" dirty="0"/>
-              <a:t>6/25/2018</a:t>
+              <a:t>7/2/2018</a:t>
             </a:fld>
             <a:endParaRPr lang="en-US" dirty="0"/>
           </a:p>
@@ -3424,7 +3594,7 @@
           <a:p>
             <a:fld id="{48A87A34-81AB-432B-8DAE-1953F412C126}" type="datetimeFigureOut">
               <a:rPr lang="en-US" dirty="0"/>
-              <a:t>6/25/2018</a:t>
+              <a:t>7/2/2018</a:t>
             </a:fld>
             <a:endParaRPr lang="en-US" dirty="0"/>
           </a:p>
@@ -3956,7 +4126,7 @@
           <a:p>
             <a:fld id="{48A87A34-81AB-432B-8DAE-1953F412C126}" type="datetimeFigureOut">
               <a:rPr lang="en-US" dirty="0"/>
-              <a:t>6/25/2018</a:t>
+              <a:t>7/2/2018</a:t>
             </a:fld>
             <a:endParaRPr lang="en-US" dirty="0"/>
           </a:p>
@@ -4815,7 +4985,7 @@
           <a:p>
             <a:fld id="{48A87A34-81AB-432B-8DAE-1953F412C126}" type="datetimeFigureOut">
               <a:rPr lang="en-US" dirty="0"/>
-              <a:t>6/25/2018</a:t>
+              <a:t>7/2/2018</a:t>
             </a:fld>
             <a:endParaRPr lang="en-US" dirty="0"/>
           </a:p>
@@ -4981,7 +5151,7 @@
             <a:fld id="{8E36636D-D922-432D-A958-524484B5923D}" type="datetimeFigureOut">
               <a:rPr lang="en-US" dirty="0"/>
               <a:pPr/>
-              <a:t>6/25/2018</a:t>
+              <a:t>7/2/2018</a:t>
             </a:fld>
             <a:endParaRPr lang="en-US" dirty="0"/>
           </a:p>
@@ -5162,7 +5332,7 @@
             <a:fld id="{8E36636D-D922-432D-A958-524484B5923D}" type="datetimeFigureOut">
               <a:rPr lang="en-US" dirty="0"/>
               <a:pPr/>
-              <a:t>6/25/2018</a:t>
+              <a:t>7/2/2018</a:t>
             </a:fld>
             <a:endParaRPr lang="en-US" dirty="0"/>
           </a:p>
@@ -5329,7 +5499,7 @@
             <a:fld id="{8E36636D-D922-432D-A958-524484B5923D}" type="datetimeFigureOut">
               <a:rPr lang="en-US" dirty="0"/>
               <a:pPr/>
-              <a:t>6/25/2018</a:t>
+              <a:t>7/2/2018</a:t>
             </a:fld>
             <a:endParaRPr lang="en-US" dirty="0"/>
           </a:p>
@@ -5570,7 +5740,7 @@
             <a:fld id="{8E36636D-D922-432D-A958-524484B5923D}" type="datetimeFigureOut">
               <a:rPr lang="en-US" dirty="0"/>
               <a:pPr/>
-              <a:t>6/25/2018</a:t>
+              <a:t>7/2/2018</a:t>
             </a:fld>
             <a:endParaRPr lang="en-US" dirty="0"/>
           </a:p>
@@ -5803,7 +5973,7 @@
             <a:fld id="{8E36636D-D922-432D-A958-524484B5923D}" type="datetimeFigureOut">
               <a:rPr lang="en-US" dirty="0"/>
               <a:pPr/>
-              <a:t>6/25/2018</a:t>
+              <a:t>7/2/2018</a:t>
             </a:fld>
             <a:endParaRPr lang="en-US" dirty="0"/>
           </a:p>
@@ -6266,7 +6436,7 @@
             <a:fld id="{8E36636D-D922-432D-A958-524484B5923D}" type="datetimeFigureOut">
               <a:rPr lang="en-US" dirty="0"/>
               <a:pPr/>
-              <a:t>6/25/2018</a:t>
+              <a:t>7/2/2018</a:t>
             </a:fld>
             <a:endParaRPr lang="en-US" dirty="0"/>
           </a:p>
@@ -6381,7 +6551,7 @@
             <a:fld id="{8E36636D-D922-432D-A958-524484B5923D}" type="datetimeFigureOut">
               <a:rPr lang="en-US" dirty="0"/>
               <a:pPr/>
-              <a:t>6/25/2018</a:t>
+              <a:t>7/2/2018</a:t>
             </a:fld>
             <a:endParaRPr lang="en-US" dirty="0"/>
           </a:p>
@@ -6473,7 +6643,7 @@
             <a:fld id="{8E36636D-D922-432D-A958-524484B5923D}" type="datetimeFigureOut">
               <a:rPr lang="en-US" dirty="0"/>
               <a:pPr/>
-              <a:t>6/25/2018</a:t>
+              <a:t>7/2/2018</a:t>
             </a:fld>
             <a:endParaRPr lang="en-US" dirty="0"/>
           </a:p>
@@ -6725,7 +6895,7 @@
             <a:fld id="{8E36636D-D922-432D-A958-524484B5923D}" type="datetimeFigureOut">
               <a:rPr lang="en-US" dirty="0"/>
               <a:pPr/>
-              <a:t>6/25/2018</a:t>
+              <a:t>7/2/2018</a:t>
             </a:fld>
             <a:endParaRPr lang="en-US" dirty="0"/>
           </a:p>
@@ -7022,7 +7192,7 @@
             <a:fld id="{8E36636D-D922-432D-A958-524484B5923D}" type="datetimeFigureOut">
               <a:rPr lang="en-US" dirty="0"/>
               <a:pPr/>
-              <a:t>6/25/2018</a:t>
+              <a:t>7/2/2018</a:t>
             </a:fld>
             <a:endParaRPr lang="en-US" dirty="0"/>
           </a:p>
@@ -7253,7 +7423,7 @@
             <a:fld id="{8E36636D-D922-432D-A958-524484B5923D}" type="datetimeFigureOut">
               <a:rPr lang="en-US" dirty="0"/>
               <a:pPr/>
-              <a:t>6/25/2018</a:t>
+              <a:t>7/2/2018</a:t>
             </a:fld>
             <a:endParaRPr lang="en-US" dirty="0"/>
           </a:p>
@@ -10265,14 +10435,14 @@
               <a:t>#</a:t>
             </a:r>
             <a:r>
-              <a:rPr lang="de-DE" sz="2000" dirty="0" err="1" smtClean="0">
+              <a:rPr lang="de-DE" sz="2000" smtClean="0">
                 <a:ln>
                   <a:noFill/>
                 </a:ln>
                 <a:latin typeface="Courier New" panose="02070309020205020404" pitchFamily="49" charset="0"/>
                 <a:cs typeface="Courier New" panose="02070309020205020404" pitchFamily="49" charset="0"/>
               </a:rPr>
-              <a:t>ifdef</a:t>
+              <a:t>ifndef</a:t>
             </a:r>
             <a:r>
               <a:rPr lang="de-DE" sz="2000" dirty="0" smtClean="0">
@@ -10282,7 +10452,17 @@
                 <a:latin typeface="Courier New" panose="02070309020205020404" pitchFamily="49" charset="0"/>
                 <a:cs typeface="Courier New" panose="02070309020205020404" pitchFamily="49" charset="0"/>
               </a:rPr>
-              <a:t> __</a:t>
+              <a:t> </a:t>
+            </a:r>
+            <a:r>
+              <a:rPr lang="de-DE" sz="2000" dirty="0" smtClean="0">
+                <a:ln>
+                  <a:noFill/>
+                </a:ln>
+                <a:latin typeface="Courier New" panose="02070309020205020404" pitchFamily="49" charset="0"/>
+                <a:cs typeface="Courier New" panose="02070309020205020404" pitchFamily="49" charset="0"/>
+              </a:rPr>
+              <a:t>__</a:t>
             </a:r>
             <a:r>
               <a:rPr lang="de-DE" sz="2000" dirty="0" err="1" smtClean="0">
@@ -13130,6 +13310,576 @@
     <p:extLst>
       <p:ext uri="{BB962C8B-B14F-4D97-AF65-F5344CB8AC3E}">
         <p14:creationId xmlns:p14="http://schemas.microsoft.com/office/powerpoint/2010/main" val="2145541091"/>
+      </p:ext>
+    </p:extLst>
+  </p:cSld>
+  <p:clrMapOvr>
+    <a:masterClrMapping/>
+  </p:clrMapOvr>
+  <p:timing>
+    <p:tnLst>
+      <p:par>
+        <p:cTn id="1" dur="indefinite" restart="never" nodeType="tmRoot"/>
+      </p:par>
+    </p:tnLst>
+  </p:timing>
+</p:sld>
+</file>
+
+<file path=ppt/slides/slide23.xml><?xml version="1.0" encoding="utf-8"?>
+<p:sld xmlns:a="http://schemas.openxmlformats.org/drawingml/2006/main" xmlns:r="http://schemas.openxmlformats.org/officeDocument/2006/relationships" xmlns:p="http://schemas.openxmlformats.org/presentationml/2006/main">
+  <p:cSld>
+    <p:spTree>
+      <p:nvGrpSpPr>
+        <p:cNvPr id="1" name=""/>
+        <p:cNvGrpSpPr/>
+        <p:nvPr/>
+      </p:nvGrpSpPr>
+      <p:grpSpPr>
+        <a:xfrm>
+          <a:off x="0" y="0"/>
+          <a:ext cx="0" cy="0"/>
+          <a:chOff x="0" y="0"/>
+          <a:chExt cx="0" cy="0"/>
+        </a:xfrm>
+      </p:grpSpPr>
+      <p:sp>
+        <p:nvSpPr>
+          <p:cNvPr id="2" name="Titel 1"/>
+          <p:cNvSpPr>
+            <a:spLocks noGrp="1"/>
+          </p:cNvSpPr>
+          <p:nvPr>
+            <p:ph type="title"/>
+          </p:nvPr>
+        </p:nvSpPr>
+        <p:spPr>
+          <a:xfrm>
+            <a:off x="913795" y="152400"/>
+            <a:ext cx="10353762" cy="970450"/>
+          </a:xfrm>
+          <a:effectLst/>
+        </p:spPr>
+        <p:txBody>
+          <a:bodyPr>
+            <a:noAutofit/>
+          </a:bodyPr>
+          <a:lstStyle/>
+          <a:p>
+            <a:r>
+              <a:rPr lang="de-DE" sz="6000" u="sng" dirty="0" smtClean="0">
+                <a:latin typeface="Times New Roman" panose="02020603050405020304" pitchFamily="18" charset="0"/>
+                <a:cs typeface="Times New Roman" panose="02020603050405020304" pitchFamily="18" charset="0"/>
+              </a:rPr>
+              <a:t>Arrays</a:t>
+            </a:r>
+            <a:endParaRPr lang="de-DE" sz="6000" u="sng" dirty="0">
+              <a:latin typeface="Times New Roman" panose="02020603050405020304" pitchFamily="18" charset="0"/>
+              <a:cs typeface="Times New Roman" panose="02020603050405020304" pitchFamily="18" charset="0"/>
+            </a:endParaRPr>
+          </a:p>
+        </p:txBody>
+      </p:sp>
+      <p:sp>
+        <p:nvSpPr>
+          <p:cNvPr id="3" name="Inhaltsplatzhalter 2"/>
+          <p:cNvSpPr>
+            <a:spLocks noGrp="1"/>
+          </p:cNvSpPr>
+          <p:nvPr>
+            <p:ph idx="1"/>
+          </p:nvPr>
+        </p:nvSpPr>
+        <p:spPr>
+          <a:xfrm>
+            <a:off x="913795" y="1566194"/>
+            <a:ext cx="10353762" cy="4734853"/>
+          </a:xfrm>
+          <a:effectLst/>
+        </p:spPr>
+        <p:txBody>
+          <a:bodyPr anchor="ctr">
+            <a:normAutofit/>
+          </a:bodyPr>
+          <a:lstStyle/>
+          <a:p>
+            <a:pPr>
+              <a:spcAft>
+                <a:spcPts val="1200"/>
+              </a:spcAft>
+              <a:buFont typeface="Wingdings" panose="05000000000000000000" pitchFamily="2" charset="2"/>
+              <a:buChar char="Ø"/>
+            </a:pPr>
+            <a:r>
+              <a:rPr lang="de-DE" sz="3200" dirty="0">
+                <a:ln>
+                  <a:noFill/>
+                </a:ln>
+                <a:latin typeface="Times New Roman" panose="02020603050405020304" pitchFamily="18" charset="0"/>
+                <a:cs typeface="Times New Roman" panose="02020603050405020304" pitchFamily="18" charset="0"/>
+              </a:rPr>
+              <a:t>s</a:t>
+            </a:r>
+            <a:r>
+              <a:rPr lang="de-DE" sz="3200" dirty="0" smtClean="0">
+                <a:ln>
+                  <a:noFill/>
+                </a:ln>
+                <a:latin typeface="Times New Roman" panose="02020603050405020304" pitchFamily="18" charset="0"/>
+                <a:cs typeface="Times New Roman" panose="02020603050405020304" pitchFamily="18" charset="0"/>
+              </a:rPr>
+              <a:t>ind Pointer</a:t>
+            </a:r>
+          </a:p>
+          <a:p>
+            <a:pPr>
+              <a:spcAft>
+                <a:spcPts val="1200"/>
+              </a:spcAft>
+              <a:buFont typeface="Wingdings" panose="05000000000000000000" pitchFamily="2" charset="2"/>
+              <a:buChar char="Ø"/>
+            </a:pPr>
+            <a:r>
+              <a:rPr lang="de-DE" sz="3200" dirty="0">
+                <a:ln>
+                  <a:noFill/>
+                </a:ln>
+                <a:latin typeface="Times New Roman" panose="02020603050405020304" pitchFamily="18" charset="0"/>
+                <a:cs typeface="Times New Roman" panose="02020603050405020304" pitchFamily="18" charset="0"/>
+              </a:rPr>
+              <a:t>n</a:t>
+            </a:r>
+            <a:r>
+              <a:rPr lang="de-DE" sz="3200" dirty="0" smtClean="0">
+                <a:ln>
+                  <a:noFill/>
+                </a:ln>
+                <a:latin typeface="Times New Roman" panose="02020603050405020304" pitchFamily="18" charset="0"/>
+                <a:cs typeface="Times New Roman" panose="02020603050405020304" pitchFamily="18" charset="0"/>
+              </a:rPr>
+              <a:t>ächstes Element springt Typengröße weiter im Speicher</a:t>
+            </a:r>
+          </a:p>
+          <a:p>
+            <a:pPr>
+              <a:spcAft>
+                <a:spcPts val="1200"/>
+              </a:spcAft>
+              <a:buFont typeface="Wingdings" panose="05000000000000000000" pitchFamily="2" charset="2"/>
+              <a:buChar char="Ø"/>
+            </a:pPr>
+            <a:r>
+              <a:rPr lang="de-DE" sz="3200" dirty="0" err="1">
+                <a:ln>
+                  <a:noFill/>
+                </a:ln>
+                <a:latin typeface="Times New Roman" panose="02020603050405020304" pitchFamily="18" charset="0"/>
+                <a:cs typeface="Times New Roman" panose="02020603050405020304" pitchFamily="18" charset="0"/>
+              </a:rPr>
+              <a:t>c</a:t>
+            </a:r>
+            <a:r>
+              <a:rPr lang="de-DE" sz="3200" dirty="0" err="1" smtClean="0">
+                <a:ln>
+                  <a:noFill/>
+                </a:ln>
+                <a:latin typeface="Times New Roman" panose="02020603050405020304" pitchFamily="18" charset="0"/>
+                <a:cs typeface="Times New Roman" panose="02020603050405020304" pitchFamily="18" charset="0"/>
+              </a:rPr>
+              <a:t>har</a:t>
+            </a:r>
+            <a:r>
+              <a:rPr lang="de-DE" sz="3200" dirty="0" smtClean="0">
+                <a:ln>
+                  <a:noFill/>
+                </a:ln>
+                <a:latin typeface="Times New Roman" panose="02020603050405020304" pitchFamily="18" charset="0"/>
+                <a:cs typeface="Times New Roman" panose="02020603050405020304" pitchFamily="18" charset="0"/>
+              </a:rPr>
+              <a:t>* ist Datentyp für Texte</a:t>
+            </a:r>
+          </a:p>
+          <a:p>
+            <a:pPr lvl="1">
+              <a:spcAft>
+                <a:spcPts val="1200"/>
+              </a:spcAft>
+              <a:buFont typeface="Wingdings" panose="05000000000000000000" pitchFamily="2" charset="2"/>
+              <a:buChar char="Ø"/>
+            </a:pPr>
+            <a:r>
+              <a:rPr lang="de-DE" sz="3000" dirty="0">
+                <a:ln>
+                  <a:noFill/>
+                </a:ln>
+                <a:latin typeface="Times New Roman" panose="02020603050405020304" pitchFamily="18" charset="0"/>
+                <a:cs typeface="Times New Roman" panose="02020603050405020304" pitchFamily="18" charset="0"/>
+              </a:rPr>
+              <a:t>i</a:t>
+            </a:r>
+            <a:r>
+              <a:rPr lang="de-DE" sz="3000" dirty="0" smtClean="0">
+                <a:ln>
+                  <a:noFill/>
+                </a:ln>
+                <a:latin typeface="Times New Roman" panose="02020603050405020304" pitchFamily="18" charset="0"/>
+                <a:cs typeface="Times New Roman" panose="02020603050405020304" pitchFamily="18" charset="0"/>
+              </a:rPr>
+              <a:t>st ein </a:t>
+            </a:r>
+            <a:r>
+              <a:rPr lang="de-DE" sz="3000" dirty="0" err="1" smtClean="0">
+                <a:ln>
+                  <a:noFill/>
+                </a:ln>
+                <a:latin typeface="Times New Roman" panose="02020603050405020304" pitchFamily="18" charset="0"/>
+                <a:cs typeface="Times New Roman" panose="02020603050405020304" pitchFamily="18" charset="0"/>
+              </a:rPr>
+              <a:t>char</a:t>
+            </a:r>
+            <a:r>
+              <a:rPr lang="de-DE" sz="3000" dirty="0" smtClean="0">
+                <a:ln>
+                  <a:noFill/>
+                </a:ln>
+                <a:latin typeface="Times New Roman" panose="02020603050405020304" pitchFamily="18" charset="0"/>
+                <a:cs typeface="Times New Roman" panose="02020603050405020304" pitchFamily="18" charset="0"/>
+              </a:rPr>
+              <a:t> Array</a:t>
+            </a:r>
+          </a:p>
+          <a:p>
+            <a:pPr lvl="1">
+              <a:spcAft>
+                <a:spcPts val="1200"/>
+              </a:spcAft>
+              <a:buFont typeface="Wingdings" panose="05000000000000000000" pitchFamily="2" charset="2"/>
+              <a:buChar char="Ø"/>
+            </a:pPr>
+            <a:r>
+              <a:rPr lang="de-DE" sz="3000" dirty="0">
+                <a:ln>
+                  <a:noFill/>
+                </a:ln>
+                <a:latin typeface="Times New Roman" panose="02020603050405020304" pitchFamily="18" charset="0"/>
+                <a:cs typeface="Times New Roman" panose="02020603050405020304" pitchFamily="18" charset="0"/>
+              </a:rPr>
+              <a:t>a</a:t>
+            </a:r>
+            <a:r>
+              <a:rPr lang="de-DE" sz="3000" dirty="0" smtClean="0">
+                <a:ln>
+                  <a:noFill/>
+                </a:ln>
+                <a:latin typeface="Times New Roman" panose="02020603050405020304" pitchFamily="18" charset="0"/>
+                <a:cs typeface="Times New Roman" panose="02020603050405020304" pitchFamily="18" charset="0"/>
+              </a:rPr>
+              <a:t>m Ende ist ‚\0‘ (Nullterminator)</a:t>
+            </a:r>
+            <a:endParaRPr lang="de-DE" sz="3000" dirty="0">
+              <a:ln>
+                <a:noFill/>
+              </a:ln>
+              <a:latin typeface="Times New Roman" panose="02020603050405020304" pitchFamily="18" charset="0"/>
+              <a:cs typeface="Times New Roman" panose="02020603050405020304" pitchFamily="18" charset="0"/>
+            </a:endParaRPr>
+          </a:p>
+        </p:txBody>
+      </p:sp>
+    </p:spTree>
+    <p:extLst>
+      <p:ext uri="{BB962C8B-B14F-4D97-AF65-F5344CB8AC3E}">
+        <p14:creationId xmlns:p14="http://schemas.microsoft.com/office/powerpoint/2010/main" val="210711098"/>
+      </p:ext>
+    </p:extLst>
+  </p:cSld>
+  <p:clrMapOvr>
+    <a:masterClrMapping/>
+  </p:clrMapOvr>
+  <p:timing>
+    <p:tnLst>
+      <p:par>
+        <p:cTn id="1" dur="indefinite" restart="never" nodeType="tmRoot"/>
+      </p:par>
+    </p:tnLst>
+  </p:timing>
+</p:sld>
+</file>
+
+<file path=ppt/slides/slide24.xml><?xml version="1.0" encoding="utf-8"?>
+<p:sld xmlns:a="http://schemas.openxmlformats.org/drawingml/2006/main" xmlns:r="http://schemas.openxmlformats.org/officeDocument/2006/relationships" xmlns:p="http://schemas.openxmlformats.org/presentationml/2006/main">
+  <p:cSld>
+    <p:spTree>
+      <p:nvGrpSpPr>
+        <p:cNvPr id="1" name=""/>
+        <p:cNvGrpSpPr/>
+        <p:nvPr/>
+      </p:nvGrpSpPr>
+      <p:grpSpPr>
+        <a:xfrm>
+          <a:off x="0" y="0"/>
+          <a:ext cx="0" cy="0"/>
+          <a:chOff x="0" y="0"/>
+          <a:chExt cx="0" cy="0"/>
+        </a:xfrm>
+      </p:grpSpPr>
+      <p:sp>
+        <p:nvSpPr>
+          <p:cNvPr id="2" name="Titel 1"/>
+          <p:cNvSpPr>
+            <a:spLocks noGrp="1"/>
+          </p:cNvSpPr>
+          <p:nvPr>
+            <p:ph type="title"/>
+          </p:nvPr>
+        </p:nvSpPr>
+        <p:spPr>
+          <a:xfrm>
+            <a:off x="913795" y="152400"/>
+            <a:ext cx="10353762" cy="970450"/>
+          </a:xfrm>
+          <a:effectLst/>
+        </p:spPr>
+        <p:txBody>
+          <a:bodyPr>
+            <a:noAutofit/>
+          </a:bodyPr>
+          <a:lstStyle/>
+          <a:p>
+            <a:r>
+              <a:rPr lang="de-DE" sz="6000" u="sng" dirty="0" smtClean="0">
+                <a:latin typeface="Times New Roman" panose="02020603050405020304" pitchFamily="18" charset="0"/>
+                <a:cs typeface="Times New Roman" panose="02020603050405020304" pitchFamily="18" charset="0"/>
+              </a:rPr>
+              <a:t>Shortcuts</a:t>
+            </a:r>
+            <a:endParaRPr lang="de-DE" sz="6000" u="sng" dirty="0">
+              <a:latin typeface="Times New Roman" panose="02020603050405020304" pitchFamily="18" charset="0"/>
+              <a:cs typeface="Times New Roman" panose="02020603050405020304" pitchFamily="18" charset="0"/>
+            </a:endParaRPr>
+          </a:p>
+        </p:txBody>
+      </p:sp>
+      <p:sp>
+        <p:nvSpPr>
+          <p:cNvPr id="3" name="Inhaltsplatzhalter 2"/>
+          <p:cNvSpPr>
+            <a:spLocks noGrp="1"/>
+          </p:cNvSpPr>
+          <p:nvPr>
+            <p:ph idx="1"/>
+          </p:nvPr>
+        </p:nvSpPr>
+        <p:spPr>
+          <a:xfrm>
+            <a:off x="913795" y="1566194"/>
+            <a:ext cx="10353762" cy="4734853"/>
+          </a:xfrm>
+          <a:effectLst/>
+        </p:spPr>
+        <p:txBody>
+          <a:bodyPr anchor="ctr">
+            <a:normAutofit/>
+          </a:bodyPr>
+          <a:lstStyle/>
+          <a:p>
+            <a:pPr>
+              <a:spcAft>
+                <a:spcPts val="1200"/>
+              </a:spcAft>
+              <a:buFont typeface="Wingdings" panose="05000000000000000000" pitchFamily="2" charset="2"/>
+              <a:buChar char="Ø"/>
+            </a:pPr>
+            <a:r>
+              <a:rPr lang="de-DE" sz="3200" dirty="0" smtClean="0">
+                <a:ln>
+                  <a:noFill/>
+                </a:ln>
+                <a:latin typeface="Times New Roman" panose="02020603050405020304" pitchFamily="18" charset="0"/>
+                <a:cs typeface="Times New Roman" panose="02020603050405020304" pitchFamily="18" charset="0"/>
+              </a:rPr>
+              <a:t>Strg + r + r (Variable umbenennen)</a:t>
+            </a:r>
+          </a:p>
+          <a:p>
+            <a:pPr>
+              <a:spcAft>
+                <a:spcPts val="1200"/>
+              </a:spcAft>
+              <a:buFont typeface="Wingdings" panose="05000000000000000000" pitchFamily="2" charset="2"/>
+              <a:buChar char="Ø"/>
+            </a:pPr>
+            <a:r>
+              <a:rPr lang="de-DE" sz="3200" dirty="0" smtClean="0">
+                <a:ln>
+                  <a:noFill/>
+                </a:ln>
+                <a:latin typeface="Times New Roman" panose="02020603050405020304" pitchFamily="18" charset="0"/>
+                <a:cs typeface="Times New Roman" panose="02020603050405020304" pitchFamily="18" charset="0"/>
+              </a:rPr>
+              <a:t>Strg + k + c (kommentieren)</a:t>
+            </a:r>
+          </a:p>
+          <a:p>
+            <a:pPr>
+              <a:spcAft>
+                <a:spcPts val="1200"/>
+              </a:spcAft>
+              <a:buFont typeface="Wingdings" panose="05000000000000000000" pitchFamily="2" charset="2"/>
+              <a:buChar char="Ø"/>
+            </a:pPr>
+            <a:r>
+              <a:rPr lang="de-DE" sz="3200" dirty="0" smtClean="0">
+                <a:ln>
+                  <a:noFill/>
+                </a:ln>
+                <a:latin typeface="Times New Roman" panose="02020603050405020304" pitchFamily="18" charset="0"/>
+                <a:cs typeface="Times New Roman" panose="02020603050405020304" pitchFamily="18" charset="0"/>
+              </a:rPr>
+              <a:t>Strg + k + u (nicht kommentieren)</a:t>
+            </a:r>
+          </a:p>
+          <a:p>
+            <a:pPr>
+              <a:spcAft>
+                <a:spcPts val="1200"/>
+              </a:spcAft>
+              <a:buFont typeface="Wingdings" panose="05000000000000000000" pitchFamily="2" charset="2"/>
+              <a:buChar char="Ø"/>
+            </a:pPr>
+            <a:r>
+              <a:rPr lang="de-DE" sz="3200" dirty="0" smtClean="0">
+                <a:ln>
+                  <a:noFill/>
+                </a:ln>
+                <a:latin typeface="Times New Roman" panose="02020603050405020304" pitchFamily="18" charset="0"/>
+                <a:cs typeface="Times New Roman" panose="02020603050405020304" pitchFamily="18" charset="0"/>
+              </a:rPr>
+              <a:t>Strg + . (Klasse von Header in </a:t>
+            </a:r>
+            <a:r>
+              <a:rPr lang="de-DE" sz="3200" dirty="0" err="1" smtClean="0">
+                <a:ln>
+                  <a:noFill/>
+                </a:ln>
+                <a:latin typeface="Times New Roman" panose="02020603050405020304" pitchFamily="18" charset="0"/>
+                <a:cs typeface="Times New Roman" panose="02020603050405020304" pitchFamily="18" charset="0"/>
+              </a:rPr>
+              <a:t>Cpp</a:t>
+            </a:r>
+            <a:r>
+              <a:rPr lang="de-DE" sz="3200" dirty="0" smtClean="0">
+                <a:ln>
+                  <a:noFill/>
+                </a:ln>
+                <a:latin typeface="Times New Roman" panose="02020603050405020304" pitchFamily="18" charset="0"/>
+                <a:cs typeface="Times New Roman" panose="02020603050405020304" pitchFamily="18" charset="0"/>
+              </a:rPr>
+              <a:t> anlegen)</a:t>
+            </a:r>
+          </a:p>
+          <a:p>
+            <a:pPr>
+              <a:spcAft>
+                <a:spcPts val="1200"/>
+              </a:spcAft>
+              <a:buFont typeface="Wingdings" panose="05000000000000000000" pitchFamily="2" charset="2"/>
+              <a:buChar char="Ø"/>
+            </a:pPr>
+            <a:r>
+              <a:rPr lang="de-DE" sz="3200" dirty="0" smtClean="0">
+                <a:ln>
+                  <a:noFill/>
+                </a:ln>
+                <a:latin typeface="Times New Roman" panose="02020603050405020304" pitchFamily="18" charset="0"/>
+                <a:cs typeface="Times New Roman" panose="02020603050405020304" pitchFamily="18" charset="0"/>
+              </a:rPr>
+              <a:t>/ + / + / (</a:t>
+            </a:r>
+            <a:r>
+              <a:rPr lang="de-DE" sz="3200" dirty="0" err="1" smtClean="0">
+                <a:ln>
+                  <a:noFill/>
+                </a:ln>
+                <a:latin typeface="Times New Roman" panose="02020603050405020304" pitchFamily="18" charset="0"/>
+                <a:cs typeface="Times New Roman" panose="02020603050405020304" pitchFamily="18" charset="0"/>
+              </a:rPr>
+              <a:t>summary</a:t>
+            </a:r>
+            <a:r>
+              <a:rPr lang="de-DE" sz="3200" dirty="0" smtClean="0">
+                <a:ln>
+                  <a:noFill/>
+                </a:ln>
+                <a:latin typeface="Times New Roman" panose="02020603050405020304" pitchFamily="18" charset="0"/>
+                <a:cs typeface="Times New Roman" panose="02020603050405020304" pitchFamily="18" charset="0"/>
+              </a:rPr>
+              <a:t> anlegen</a:t>
+            </a:r>
+            <a:r>
+              <a:rPr lang="de-DE" sz="3200" dirty="0">
+                <a:ln>
+                  <a:noFill/>
+                </a:ln>
+                <a:latin typeface="Times New Roman" panose="02020603050405020304" pitchFamily="18" charset="0"/>
+                <a:cs typeface="Times New Roman" panose="02020603050405020304" pitchFamily="18" charset="0"/>
+              </a:rPr>
+              <a:t>, z.B. </a:t>
+            </a:r>
+            <a:r>
+              <a:rPr lang="de-DE" sz="3200" dirty="0" err="1" smtClean="0">
+                <a:ln>
+                  <a:noFill/>
+                </a:ln>
+                <a:latin typeface="Times New Roman" panose="02020603050405020304" pitchFamily="18" charset="0"/>
+                <a:cs typeface="Times New Roman" panose="02020603050405020304" pitchFamily="18" charset="0"/>
+              </a:rPr>
+              <a:t>CppTripleSlash</a:t>
+            </a:r>
+            <a:r>
+              <a:rPr lang="de-DE" sz="3200" dirty="0" smtClean="0">
+                <a:ln>
+                  <a:noFill/>
+                </a:ln>
+                <a:latin typeface="Times New Roman" panose="02020603050405020304" pitchFamily="18" charset="0"/>
+                <a:cs typeface="Times New Roman" panose="02020603050405020304" pitchFamily="18" charset="0"/>
+              </a:rPr>
+              <a:t> </a:t>
+            </a:r>
+            <a:r>
+              <a:rPr lang="de-DE" sz="3200" dirty="0" err="1" smtClean="0">
+                <a:ln>
+                  <a:noFill/>
+                </a:ln>
+                <a:latin typeface="Times New Roman" panose="02020603050405020304" pitchFamily="18" charset="0"/>
+                <a:cs typeface="Times New Roman" panose="02020603050405020304" pitchFamily="18" charset="0"/>
+              </a:rPr>
+              <a:t>Addon</a:t>
+            </a:r>
+            <a:r>
+              <a:rPr lang="de-DE" sz="3200" dirty="0" smtClean="0">
+                <a:ln>
+                  <a:noFill/>
+                </a:ln>
+                <a:latin typeface="Times New Roman" panose="02020603050405020304" pitchFamily="18" charset="0"/>
+                <a:cs typeface="Times New Roman" panose="02020603050405020304" pitchFamily="18" charset="0"/>
+              </a:rPr>
+              <a:t>)</a:t>
+            </a:r>
+            <a:endParaRPr lang="de-DE" sz="3000" dirty="0">
+              <a:ln>
+                <a:noFill/>
+              </a:ln>
+              <a:latin typeface="Times New Roman" panose="02020603050405020304" pitchFamily="18" charset="0"/>
+              <a:cs typeface="Times New Roman" panose="02020603050405020304" pitchFamily="18" charset="0"/>
+            </a:endParaRPr>
+          </a:p>
+        </p:txBody>
+      </p:sp>
+    </p:spTree>
+    <p:extLst>
+      <p:ext uri="{BB962C8B-B14F-4D97-AF65-F5344CB8AC3E}">
+        <p14:creationId xmlns:p14="http://schemas.microsoft.com/office/powerpoint/2010/main" val="1175082636"/>
       </p:ext>
     </p:extLst>
   </p:cSld>
@@ -15897,7 +16647,7 @@
   <a:extraClrSchemeLst/>
   <a:extLst>
     <a:ext uri="{05A4C25C-085E-4340-85A3-A5531E510DB2}">
-      <thm15:themeFamily xmlns:thm15="http://schemas.microsoft.com/office/thememl/2012/main" xmlns="" name="Slate" id="{C3F70B94-7CE9-428E-ADC1-3269CC2C3385}" vid="{3F2DE9A5-64E6-437C-A389-CC4477E817E8}"/>
+      <thm15:themeFamily xmlns:thm15="http://schemas.microsoft.com/office/thememl/2012/main" name="Slate" id="{C3F70B94-7CE9-428E-ADC1-3269CC2C3385}" vid="{3F2DE9A5-64E6-437C-A389-CC4477E817E8}"/>
     </a:ext>
   </a:extLst>
 </a:theme>
@@ -16158,7 +16908,7 @@
   <a:extraClrSchemeLst/>
   <a:extLst>
     <a:ext uri="{05A4C25C-085E-4340-85A3-A5531E510DB2}">
-      <thm15:themeFamily xmlns:thm15="http://schemas.microsoft.com/office/thememl/2012/main" xmlns="" name="Office Theme" id="{62F939B6-93AF-4DB8-9C6B-D6C7DFDC589F}" vid="{4A3C46E8-61CC-4603-A589-7422A47A8E4A}"/>
+      <thm15:themeFamily xmlns:thm15="http://schemas.microsoft.com/office/thememl/2012/main" name="Office Theme" id="{62F939B6-93AF-4DB8-9C6B-D6C7DFDC589F}" vid="{4A3C46E8-61CC-4603-A589-7422A47A8E4A}"/>
     </a:ext>
   </a:extLst>
 </a:theme>
